--- a/slides/07-Arrays-char-ASCII-strings-fns.pptx
+++ b/slides/07-Arrays-char-ASCII-strings-fns.pptx
@@ -16,15 +16,16 @@
     <p:sldId id="264" r:id="rId10"/>
     <p:sldId id="265" r:id="rId11"/>
     <p:sldId id="263" r:id="rId12"/>
-    <p:sldId id="266" r:id="rId13"/>
-    <p:sldId id="267" r:id="rId14"/>
-    <p:sldId id="268" r:id="rId15"/>
-    <p:sldId id="269" r:id="rId16"/>
-    <p:sldId id="270" r:id="rId17"/>
-    <p:sldId id="271" r:id="rId18"/>
-    <p:sldId id="274" r:id="rId19"/>
-    <p:sldId id="272" r:id="rId20"/>
-    <p:sldId id="273" r:id="rId21"/>
+    <p:sldId id="276" r:id="rId13"/>
+    <p:sldId id="266" r:id="rId14"/>
+    <p:sldId id="267" r:id="rId15"/>
+    <p:sldId id="268" r:id="rId16"/>
+    <p:sldId id="269" r:id="rId17"/>
+    <p:sldId id="270" r:id="rId18"/>
+    <p:sldId id="271" r:id="rId19"/>
+    <p:sldId id="274" r:id="rId20"/>
+    <p:sldId id="272" r:id="rId21"/>
+    <p:sldId id="273" r:id="rId22"/>
   </p:sldIdLst>
   <p:sldSz cx="12192000" cy="6858000"/>
   <p:notesSz cx="6858000" cy="9144000"/>
@@ -262,7 +263,7 @@
           <a:p>
             <a:fld id="{8725AE58-0B88-40F5-B254-4B9A81217A44}" type="datetimeFigureOut">
               <a:rPr lang="en-US" smtClean="0"/>
-              <a:t>7/25/2023</a:t>
+              <a:t>10/20/2023</a:t>
             </a:fld>
             <a:endParaRPr lang="en-US"/>
           </a:p>
@@ -432,7 +433,7 @@
           <a:p>
             <a:fld id="{8725AE58-0B88-40F5-B254-4B9A81217A44}" type="datetimeFigureOut">
               <a:rPr lang="en-US" smtClean="0"/>
-              <a:t>7/25/2023</a:t>
+              <a:t>10/20/2023</a:t>
             </a:fld>
             <a:endParaRPr lang="en-US"/>
           </a:p>
@@ -612,7 +613,7 @@
           <a:p>
             <a:fld id="{8725AE58-0B88-40F5-B254-4B9A81217A44}" type="datetimeFigureOut">
               <a:rPr lang="en-US" smtClean="0"/>
-              <a:t>7/25/2023</a:t>
+              <a:t>10/20/2023</a:t>
             </a:fld>
             <a:endParaRPr lang="en-US"/>
           </a:p>
@@ -782,7 +783,7 @@
           <a:p>
             <a:fld id="{8725AE58-0B88-40F5-B254-4B9A81217A44}" type="datetimeFigureOut">
               <a:rPr lang="en-US" smtClean="0"/>
-              <a:t>7/25/2023</a:t>
+              <a:t>10/20/2023</a:t>
             </a:fld>
             <a:endParaRPr lang="en-US"/>
           </a:p>
@@ -1028,7 +1029,7 @@
           <a:p>
             <a:fld id="{8725AE58-0B88-40F5-B254-4B9A81217A44}" type="datetimeFigureOut">
               <a:rPr lang="en-US" smtClean="0"/>
-              <a:t>7/25/2023</a:t>
+              <a:t>10/20/2023</a:t>
             </a:fld>
             <a:endParaRPr lang="en-US"/>
           </a:p>
@@ -1260,7 +1261,7 @@
           <a:p>
             <a:fld id="{8725AE58-0B88-40F5-B254-4B9A81217A44}" type="datetimeFigureOut">
               <a:rPr lang="en-US" smtClean="0"/>
-              <a:t>7/25/2023</a:t>
+              <a:t>10/20/2023</a:t>
             </a:fld>
             <a:endParaRPr lang="en-US"/>
           </a:p>
@@ -1627,7 +1628,7 @@
           <a:p>
             <a:fld id="{8725AE58-0B88-40F5-B254-4B9A81217A44}" type="datetimeFigureOut">
               <a:rPr lang="en-US" smtClean="0"/>
-              <a:t>7/25/2023</a:t>
+              <a:t>10/20/2023</a:t>
             </a:fld>
             <a:endParaRPr lang="en-US"/>
           </a:p>
@@ -1745,7 +1746,7 @@
           <a:p>
             <a:fld id="{8725AE58-0B88-40F5-B254-4B9A81217A44}" type="datetimeFigureOut">
               <a:rPr lang="en-US" smtClean="0"/>
-              <a:t>7/25/2023</a:t>
+              <a:t>10/20/2023</a:t>
             </a:fld>
             <a:endParaRPr lang="en-US"/>
           </a:p>
@@ -1840,7 +1841,7 @@
           <a:p>
             <a:fld id="{8725AE58-0B88-40F5-B254-4B9A81217A44}" type="datetimeFigureOut">
               <a:rPr lang="en-US" smtClean="0"/>
-              <a:t>7/25/2023</a:t>
+              <a:t>10/20/2023</a:t>
             </a:fld>
             <a:endParaRPr lang="en-US"/>
           </a:p>
@@ -2117,7 +2118,7 @@
           <a:p>
             <a:fld id="{8725AE58-0B88-40F5-B254-4B9A81217A44}" type="datetimeFigureOut">
               <a:rPr lang="en-US" smtClean="0"/>
-              <a:t>7/25/2023</a:t>
+              <a:t>10/20/2023</a:t>
             </a:fld>
             <a:endParaRPr lang="en-US"/>
           </a:p>
@@ -2370,7 +2371,7 @@
           <a:p>
             <a:fld id="{8725AE58-0B88-40F5-B254-4B9A81217A44}" type="datetimeFigureOut">
               <a:rPr lang="en-US" smtClean="0"/>
-              <a:t>7/25/2023</a:t>
+              <a:t>10/20/2023</a:t>
             </a:fld>
             <a:endParaRPr lang="en-US"/>
           </a:p>
@@ -2583,7 +2584,7 @@
           <a:p>
             <a:fld id="{8725AE58-0B88-40F5-B254-4B9A81217A44}" type="datetimeFigureOut">
               <a:rPr lang="en-US" smtClean="0"/>
-              <a:t>7/25/2023</a:t>
+              <a:t>10/20/2023</a:t>
             </a:fld>
             <a:endParaRPr lang="en-US"/>
           </a:p>
@@ -4103,15 +4104,7 @@
           <a:p>
             <a:r>
               <a:rPr lang="en-US" dirty="0" smtClean="0"/>
-              <a:t>Strings are </a:t>
-            </a:r>
-            <a:r>
-              <a:rPr lang="en-US" u="sng" dirty="0" smtClean="0"/>
-              <a:t>special</a:t>
-            </a:r>
-            <a:r>
-              <a:rPr lang="en-US" dirty="0" smtClean="0"/>
-              <a:t> sequences of characters</a:t>
+              <a:t>Character and arithmetic</a:t>
             </a:r>
             <a:endParaRPr lang="en-US" dirty="0"/>
           </a:p>
@@ -4127,12 +4120,7 @@
             <p:ph idx="1"/>
           </p:nvPr>
         </p:nvSpPr>
-        <p:spPr>
-          <a:xfrm>
-            <a:off x="838200" y="1825625"/>
-            <a:ext cx="10515600" cy="4789184"/>
-          </a:xfrm>
-        </p:spPr>
+        <p:spPr/>
         <p:txBody>
           <a:bodyPr>
             <a:normAutofit lnSpcReduction="10000"/>
@@ -4140,92 +4128,79 @@
           <a:lstStyle/>
           <a:p>
             <a:r>
-              <a:rPr lang="en-US" sz="2400" dirty="0" smtClean="0">
-                <a:latin typeface="Courier New" panose="02070309020205020404" pitchFamily="49" charset="0"/>
-                <a:cs typeface="Courier New" panose="02070309020205020404" pitchFamily="49" charset="0"/>
-              </a:rPr>
-              <a:t>char a[10]={‘h’, ’e’, ’l’, ’l’, ’o’};  </a:t>
-            </a:r>
-            <a:r>
-              <a:rPr lang="en-US" dirty="0" smtClean="0"/>
-              <a:t>is an array of characters.</a:t>
-            </a:r>
-          </a:p>
-          <a:p>
-            <a:r>
-              <a:rPr lang="en-US" dirty="0" smtClean="0"/>
-              <a:t>Quite often sequences of characters correspond to words which we want to manipulate in ways different from arrays of integers.</a:t>
-            </a:r>
-          </a:p>
-          <a:p>
-            <a:r>
-              <a:rPr lang="en-US" dirty="0" smtClean="0"/>
-              <a:t>Strings are arrays of characters that </a:t>
-            </a:r>
-            <a:r>
-              <a:rPr lang="en-US" b="1" u="sng" dirty="0" smtClean="0"/>
-              <a:t>end with a ‘\0’ </a:t>
-            </a:r>
-            <a:r>
-              <a:rPr lang="en-US" dirty="0" smtClean="0"/>
-              <a:t>(null character). That is what is </a:t>
-            </a:r>
-            <a:r>
-              <a:rPr lang="en-US" b="1" u="sng" dirty="0" smtClean="0"/>
-              <a:t>special</a:t>
-            </a:r>
-            <a:r>
-              <a:rPr lang="en-US" dirty="0" smtClean="0"/>
-              <a:t>.</a:t>
-            </a:r>
-          </a:p>
-          <a:p>
-            <a:r>
-              <a:rPr lang="en-US" dirty="0" smtClean="0"/>
-              <a:t>And there is a much simpler way to write them, just put them in double quotes:   “ “</a:t>
-            </a:r>
-          </a:p>
-          <a:p>
-            <a:r>
-              <a:rPr lang="en-US" sz="2400" dirty="0" smtClean="0">
-                <a:latin typeface="Courier New" panose="02070309020205020404" pitchFamily="49" charset="0"/>
-                <a:cs typeface="Courier New" panose="02070309020205020404" pitchFamily="49" charset="0"/>
-              </a:rPr>
-              <a:t>char a[10]={‘h’, ’e’, ’l’, ’l’, ’o’,  ‘\0’ };  </a:t>
-            </a:r>
-            <a:r>
-              <a:rPr lang="en-US" dirty="0" smtClean="0"/>
-              <a:t>which is a string, is preferably written as   char a[10]=“hello” ;    </a:t>
-            </a:r>
-            <a:r>
-              <a:rPr lang="en-US" i="1" dirty="0" smtClean="0">
-                <a:latin typeface="Garamond" panose="02020404030301010803" pitchFamily="18" charset="0"/>
-              </a:rPr>
-              <a:t>That makes it simple!</a:t>
-            </a:r>
-            <a:endParaRPr lang="en-US" i="1" dirty="0">
-              <a:latin typeface="Garamond" panose="02020404030301010803" pitchFamily="18" charset="0"/>
-            </a:endParaRPr>
+              <a:rPr lang="en-US" dirty="0" smtClean="0"/>
+              <a:t>Since characters are small integers, arithmetic works in the integer way:</a:t>
+            </a:r>
+          </a:p>
+          <a:p>
+            <a:pPr lvl="1"/>
+            <a:r>
+              <a:rPr lang="en-US" dirty="0" smtClean="0"/>
+              <a:t>‘A’  has value 65</a:t>
+            </a:r>
+          </a:p>
+          <a:p>
+            <a:pPr lvl="1"/>
+            <a:r>
+              <a:rPr lang="en-US" dirty="0" smtClean="0"/>
+              <a:t>‘A’ + 1  is therefore 66 which is the ASCII of ‘B’</a:t>
+            </a:r>
+          </a:p>
+          <a:p>
+            <a:pPr lvl="1"/>
+            <a:r>
+              <a:rPr lang="en-US" dirty="0" smtClean="0"/>
+              <a:t>‘A’ + 1  when printed as a char (“%c” format) will print ‘B’</a:t>
+            </a:r>
+          </a:p>
+          <a:p>
+            <a:pPr lvl="1"/>
+            <a:r>
+              <a:rPr lang="en-US" dirty="0" smtClean="0"/>
+              <a:t>Note that, happily, ‘c’ – ‘C’   is the same as     ‘a’-’A’ </a:t>
+            </a:r>
+          </a:p>
+          <a:p>
+            <a:pPr lvl="1"/>
+            <a:r>
+              <a:rPr lang="en-US" dirty="0" smtClean="0"/>
+              <a:t>You can also compare so ‘A’ &lt; ‘a’  is    a true  value (1) </a:t>
+            </a:r>
+          </a:p>
+          <a:p>
+            <a:r>
+              <a:rPr lang="en-US" smtClean="0"/>
+              <a:t>Questions:</a:t>
+            </a:r>
+            <a:endParaRPr lang="en-US" dirty="0" smtClean="0"/>
+          </a:p>
+          <a:p>
+            <a:pPr lvl="1"/>
+            <a:r>
+              <a:rPr lang="en-US" dirty="0" smtClean="0"/>
+              <a:t>How will you check a given character variable has a lower case character?</a:t>
+            </a:r>
+          </a:p>
+          <a:p>
+            <a:pPr lvl="1"/>
+            <a:r>
+              <a:rPr lang="en-US" dirty="0" smtClean="0"/>
+              <a:t>If you know a variable has a lower case character, how will you convert it to the corresponding upper case? </a:t>
+            </a:r>
+            <a:endParaRPr lang="en-US" dirty="0"/>
           </a:p>
         </p:txBody>
       </p:sp>
     </p:spTree>
     <p:extLst>
       <p:ext uri="{BB962C8B-B14F-4D97-AF65-F5344CB8AC3E}">
-        <p14:creationId xmlns:p14="http://schemas.microsoft.com/office/powerpoint/2010/main" val="240778326"/>
+        <p14:creationId xmlns:p14="http://schemas.microsoft.com/office/powerpoint/2010/main" val="3289097084"/>
       </p:ext>
     </p:extLst>
   </p:cSld>
   <p:clrMapOvr>
     <a:masterClrMapping/>
   </p:clrMapOvr>
-  <p:timing>
-    <p:tnLst>
-      <p:par>
-        <p:cTn id="1" dur="indefinite" restart="never" nodeType="tmRoot"/>
-      </p:par>
-    </p:tnLst>
-  </p:timing>
 </p:sld>
 </file>
 
@@ -4263,7 +4238,15 @@
           <a:p>
             <a:r>
               <a:rPr lang="en-US" dirty="0" smtClean="0"/>
-              <a:t>String manipulation</a:t>
+              <a:t>Strings are </a:t>
+            </a:r>
+            <a:r>
+              <a:rPr lang="en-US" u="sng" dirty="0" smtClean="0"/>
+              <a:t>special</a:t>
+            </a:r>
+            <a:r>
+              <a:rPr lang="en-US" dirty="0" smtClean="0"/>
+              <a:t> sequences of characters</a:t>
             </a:r>
             <a:endParaRPr lang="en-US" dirty="0"/>
           </a:p>
@@ -4279,401 +4262,104 @@
             <p:ph idx="1"/>
           </p:nvPr>
         </p:nvSpPr>
-        <p:spPr/>
+        <p:spPr>
+          <a:xfrm>
+            <a:off x="838200" y="1825625"/>
+            <a:ext cx="10515600" cy="4789184"/>
+          </a:xfrm>
+        </p:spPr>
         <p:txBody>
           <a:bodyPr>
-            <a:normAutofit fontScale="92500" lnSpcReduction="10000"/>
+            <a:normAutofit lnSpcReduction="10000"/>
           </a:bodyPr>
           <a:lstStyle/>
           <a:p>
             <a:r>
-              <a:rPr lang="en-US" dirty="0" smtClean="0"/>
-              <a:t>Defining the variable is just like any other array: </a:t>
-            </a:r>
-            <a:r>
-              <a:rPr lang="en-US" dirty="0" smtClean="0">
-                <a:latin typeface="Courier New" panose="02070309020205020404" pitchFamily="49" charset="0"/>
-                <a:cs typeface="Courier New" panose="02070309020205020404" pitchFamily="49" charset="0"/>
-              </a:rPr>
-              <a:t>char a[10];</a:t>
-            </a:r>
-          </a:p>
-          <a:p>
-            <a:r>
-              <a:rPr lang="en-US" dirty="0" smtClean="0">
-                <a:cs typeface="Courier New" panose="02070309020205020404" pitchFamily="49" charset="0"/>
-              </a:rPr>
-              <a:t>Reading:  </a:t>
-            </a:r>
-            <a:r>
-              <a:rPr lang="en-US" dirty="0" err="1" smtClean="0">
-                <a:latin typeface="Courier New" panose="02070309020205020404" pitchFamily="49" charset="0"/>
-                <a:cs typeface="Courier New" panose="02070309020205020404" pitchFamily="49" charset="0"/>
-              </a:rPr>
-              <a:t>scanf</a:t>
-            </a:r>
-            <a:r>
-              <a:rPr lang="en-US" dirty="0" smtClean="0">
-                <a:latin typeface="Courier New" panose="02070309020205020404" pitchFamily="49" charset="0"/>
-                <a:cs typeface="Courier New" panose="02070309020205020404" pitchFamily="49" charset="0"/>
-              </a:rPr>
-              <a:t>(“%</a:t>
-            </a:r>
-            <a:r>
-              <a:rPr lang="en-US" dirty="0" err="1" smtClean="0">
-                <a:latin typeface="Courier New" panose="02070309020205020404" pitchFamily="49" charset="0"/>
-                <a:cs typeface="Courier New" panose="02070309020205020404" pitchFamily="49" charset="0"/>
-              </a:rPr>
-              <a:t>s”,a</a:t>
-            </a:r>
-            <a:r>
-              <a:rPr lang="en-US" dirty="0" smtClean="0">
-                <a:latin typeface="Courier New" panose="02070309020205020404" pitchFamily="49" charset="0"/>
-                <a:cs typeface="Courier New" panose="02070309020205020404" pitchFamily="49" charset="0"/>
-              </a:rPr>
-              <a:t>);</a:t>
-            </a:r>
-            <a:r>
-              <a:rPr lang="en-US" dirty="0" smtClean="0">
-                <a:cs typeface="Courier New" panose="02070309020205020404" pitchFamily="49" charset="0"/>
-              </a:rPr>
-              <a:t>     </a:t>
-            </a:r>
-            <a:r>
-              <a:rPr lang="en-US" i="1" dirty="0" smtClean="0">
-                <a:latin typeface="Garamond" panose="02020404030301010803" pitchFamily="18" charset="0"/>
-                <a:cs typeface="Courier New" panose="02070309020205020404" pitchFamily="49" charset="0"/>
-              </a:rPr>
-              <a:t>(notice we dropped the  </a:t>
-            </a:r>
-            <a:r>
-              <a:rPr lang="en-US" sz="3200" b="1" dirty="0" smtClean="0">
+              <a:rPr lang="en-US" sz="2400" dirty="0" smtClean="0">
+                <a:latin typeface="Courier New" panose="02070309020205020404" pitchFamily="49" charset="0"/>
+                <a:cs typeface="Courier New" panose="02070309020205020404" pitchFamily="49" charset="0"/>
+              </a:rPr>
+              <a:t>char a[10]={‘h’, ’e’, ’l’, ’l’, ’o’};  </a:t>
+            </a:r>
+            <a:r>
+              <a:rPr lang="en-US" dirty="0" smtClean="0"/>
+              <a:t>is an array of characters. </a:t>
+            </a:r>
+          </a:p>
+          <a:p>
+            <a:r>
+              <a:rPr lang="en-US" dirty="0" smtClean="0"/>
+              <a:t>Quite often sequences of characters correspond to words which we want to manipulate in ways different from arrays of integers.</a:t>
+            </a:r>
+          </a:p>
+          <a:p>
+            <a:r>
+              <a:rPr lang="en-US" dirty="0" smtClean="0"/>
+              <a:t>Strings are arrays of characters that </a:t>
+            </a:r>
+            <a:r>
+              <a:rPr lang="en-US" b="1" u="sng" dirty="0" smtClean="0"/>
+              <a:t>end with a </a:t>
+            </a:r>
+            <a:r>
+              <a:rPr lang="en-US" b="1" u="sng" dirty="0" smtClean="0">
                 <a:solidFill>
                   <a:srgbClr val="FF0000"/>
                 </a:solidFill>
-                <a:latin typeface="Courier New" panose="02070309020205020404" pitchFamily="49" charset="0"/>
-                <a:cs typeface="Courier New" panose="02070309020205020404" pitchFamily="49" charset="0"/>
-              </a:rPr>
-              <a:t>&amp;</a:t>
-            </a:r>
-            <a:r>
-              <a:rPr lang="en-US" b="1" i="1" dirty="0" smtClean="0">
-                <a:latin typeface="Garamond" panose="02020404030301010803" pitchFamily="18" charset="0"/>
-                <a:cs typeface="Courier New" panose="02070309020205020404" pitchFamily="49" charset="0"/>
-              </a:rPr>
-              <a:t> </a:t>
-            </a:r>
-            <a:r>
-              <a:rPr lang="en-US" i="1" dirty="0" smtClean="0">
-                <a:latin typeface="Garamond" panose="02020404030301010803" pitchFamily="18" charset="0"/>
-                <a:cs typeface="Courier New" panose="02070309020205020404" pitchFamily="49" charset="0"/>
-              </a:rPr>
-              <a:t>!)</a:t>
-            </a:r>
-          </a:p>
-          <a:p>
+              </a:rPr>
+              <a:t>‘\0’ </a:t>
+            </a:r>
+            <a:r>
+              <a:rPr lang="en-US" dirty="0" smtClean="0"/>
+              <a:t>(</a:t>
+            </a:r>
             <a:r>
               <a:rPr lang="en-US" dirty="0" smtClean="0">
-                <a:cs typeface="Courier New" panose="02070309020205020404" pitchFamily="49" charset="0"/>
-              </a:rPr>
-              <a:t>Printing:  </a:t>
-            </a:r>
-            <a:r>
-              <a:rPr lang="en-US" dirty="0" err="1" smtClean="0">
-                <a:latin typeface="Courier New" panose="02070309020205020404" pitchFamily="49" charset="0"/>
-                <a:cs typeface="Courier New" panose="02070309020205020404" pitchFamily="49" charset="0"/>
-              </a:rPr>
-              <a:t>printf</a:t>
-            </a:r>
-            <a:r>
-              <a:rPr lang="en-US" dirty="0" smtClean="0">
-                <a:latin typeface="Courier New" panose="02070309020205020404" pitchFamily="49" charset="0"/>
-                <a:cs typeface="Courier New" panose="02070309020205020404" pitchFamily="49" charset="0"/>
-              </a:rPr>
-              <a:t>(“%</a:t>
-            </a:r>
-            <a:r>
-              <a:rPr lang="en-US" dirty="0" err="1" smtClean="0">
-                <a:latin typeface="Courier New" panose="02070309020205020404" pitchFamily="49" charset="0"/>
-                <a:cs typeface="Courier New" panose="02070309020205020404" pitchFamily="49" charset="0"/>
-              </a:rPr>
-              <a:t>s”,a</a:t>
-            </a:r>
-            <a:r>
-              <a:rPr lang="en-US" dirty="0" smtClean="0">
-                <a:latin typeface="Courier New" panose="02070309020205020404" pitchFamily="49" charset="0"/>
-                <a:cs typeface="Courier New" panose="02070309020205020404" pitchFamily="49" charset="0"/>
-              </a:rPr>
-              <a:t>);</a:t>
-            </a:r>
-          </a:p>
-          <a:p>
-            <a:r>
-              <a:rPr lang="en-US" dirty="0" smtClean="0">
-                <a:cs typeface="Courier New" panose="02070309020205020404" pitchFamily="49" charset="0"/>
-              </a:rPr>
-              <a:t>While initialization is ok, we </a:t>
-            </a:r>
-            <a:r>
-              <a:rPr lang="en-US" b="1" i="1" dirty="0" smtClean="0">
                 <a:solidFill>
                   <a:srgbClr val="FF0000"/>
                 </a:solidFill>
-                <a:cs typeface="Courier New" panose="02070309020205020404" pitchFamily="49" charset="0"/>
-              </a:rPr>
-              <a:t>cannot assign elsewhere</a:t>
-            </a:r>
-            <a:r>
-              <a:rPr lang="en-US" dirty="0" smtClean="0">
-                <a:cs typeface="Courier New" panose="02070309020205020404" pitchFamily="49" charset="0"/>
-              </a:rPr>
-              <a:t>, so </a:t>
-            </a:r>
-            <a:br>
-              <a:rPr lang="en-US" dirty="0" smtClean="0">
-                <a:cs typeface="Courier New" panose="02070309020205020404" pitchFamily="49" charset="0"/>
-              </a:rPr>
-            </a:br>
-            <a:r>
-              <a:rPr lang="en-US" dirty="0" smtClean="0">
-                <a:cs typeface="Courier New" panose="02070309020205020404" pitchFamily="49" charset="0"/>
-              </a:rPr>
-              <a:t>       </a:t>
-            </a:r>
-            <a:r>
-              <a:rPr lang="en-US" dirty="0" smtClean="0">
-                <a:latin typeface="Courier New" panose="02070309020205020404" pitchFamily="49" charset="0"/>
-                <a:cs typeface="Courier New" panose="02070309020205020404" pitchFamily="49" charset="0"/>
-              </a:rPr>
-              <a:t>a = “Namaste”;   </a:t>
-            </a:r>
-            <a:r>
-              <a:rPr lang="en-US" b="1" dirty="0" smtClean="0">
-                <a:cs typeface="Courier New" panose="02070309020205020404" pitchFamily="49" charset="0"/>
-              </a:rPr>
-              <a:t>would show an error.  </a:t>
-            </a:r>
-          </a:p>
-          <a:p>
-            <a:r>
-              <a:rPr lang="en-US" dirty="0" smtClean="0">
-                <a:cs typeface="Courier New" panose="02070309020205020404" pitchFamily="49" charset="0"/>
-              </a:rPr>
-              <a:t>We can </a:t>
-            </a:r>
-            <a:r>
-              <a:rPr lang="en-US" dirty="0" err="1" smtClean="0">
-                <a:cs typeface="Courier New" panose="02070309020205020404" pitchFamily="49" charset="0"/>
-              </a:rPr>
-              <a:t>printf</a:t>
-            </a:r>
-            <a:r>
-              <a:rPr lang="en-US" dirty="0" smtClean="0">
-                <a:cs typeface="Courier New" panose="02070309020205020404" pitchFamily="49" charset="0"/>
-              </a:rPr>
-              <a:t> characters of the string one by one if we wanted to:</a:t>
-            </a:r>
-            <a:br>
-              <a:rPr lang="en-US" dirty="0" smtClean="0">
-                <a:cs typeface="Courier New" panose="02070309020205020404" pitchFamily="49" charset="0"/>
-              </a:rPr>
-            </a:br>
-            <a:r>
-              <a:rPr lang="en-US" sz="2400" dirty="0" smtClean="0">
-                <a:latin typeface="Courier New" panose="02070309020205020404" pitchFamily="49" charset="0"/>
-                <a:cs typeface="Courier New" panose="02070309020205020404" pitchFamily="49" charset="0"/>
-              </a:rPr>
-              <a:t>{  char a[10]=“hello”;</a:t>
-            </a:r>
-            <a:br>
-              <a:rPr lang="en-US" sz="2400" dirty="0" smtClean="0">
-                <a:latin typeface="Courier New" panose="02070309020205020404" pitchFamily="49" charset="0"/>
-                <a:cs typeface="Courier New" panose="02070309020205020404" pitchFamily="49" charset="0"/>
-              </a:rPr>
-            </a:br>
-            <a:r>
-              <a:rPr lang="en-US" sz="2400" dirty="0" smtClean="0">
-                <a:latin typeface="Courier New" panose="02070309020205020404" pitchFamily="49" charset="0"/>
-                <a:cs typeface="Courier New" panose="02070309020205020404" pitchFamily="49" charset="0"/>
-              </a:rPr>
-              <a:t>   </a:t>
-            </a:r>
-            <a:r>
-              <a:rPr lang="en-US" sz="2400" dirty="0" err="1" smtClean="0">
-                <a:latin typeface="Courier New" panose="02070309020205020404" pitchFamily="49" charset="0"/>
-                <a:cs typeface="Courier New" panose="02070309020205020404" pitchFamily="49" charset="0"/>
-              </a:rPr>
-              <a:t>int</a:t>
-            </a:r>
-            <a:r>
-              <a:rPr lang="en-US" sz="2400" dirty="0" smtClean="0">
-                <a:latin typeface="Courier New" panose="02070309020205020404" pitchFamily="49" charset="0"/>
-                <a:cs typeface="Courier New" panose="02070309020205020404" pitchFamily="49" charset="0"/>
-              </a:rPr>
-              <a:t> </a:t>
-            </a:r>
-            <a:r>
-              <a:rPr lang="en-US" sz="2400" dirty="0" err="1" smtClean="0">
-                <a:latin typeface="Courier New" panose="02070309020205020404" pitchFamily="49" charset="0"/>
-                <a:cs typeface="Courier New" panose="02070309020205020404" pitchFamily="49" charset="0"/>
-              </a:rPr>
-              <a:t>i</a:t>
-            </a:r>
-            <a:r>
-              <a:rPr lang="en-US" sz="2400" dirty="0" smtClean="0">
-                <a:latin typeface="Courier New" panose="02070309020205020404" pitchFamily="49" charset="0"/>
-                <a:cs typeface="Courier New" panose="02070309020205020404" pitchFamily="49" charset="0"/>
-              </a:rPr>
-              <a:t>=0;</a:t>
-            </a:r>
-            <a:br>
-              <a:rPr lang="en-US" sz="2400" dirty="0" smtClean="0">
-                <a:latin typeface="Courier New" panose="02070309020205020404" pitchFamily="49" charset="0"/>
-                <a:cs typeface="Courier New" panose="02070309020205020404" pitchFamily="49" charset="0"/>
-              </a:rPr>
-            </a:br>
-            <a:r>
-              <a:rPr lang="en-US" sz="2400" dirty="0" smtClean="0">
-                <a:latin typeface="Courier New" panose="02070309020205020404" pitchFamily="49" charset="0"/>
-                <a:cs typeface="Courier New" panose="02070309020205020404" pitchFamily="49" charset="0"/>
-              </a:rPr>
-              <a:t>   while( </a:t>
-            </a:r>
-            <a:r>
-              <a:rPr lang="en-US" sz="2400" dirty="0" smtClean="0">
-                <a:solidFill>
-                  <a:srgbClr val="FF0000"/>
-                </a:solidFill>
-                <a:latin typeface="Courier New" panose="02070309020205020404" pitchFamily="49" charset="0"/>
-                <a:cs typeface="Courier New" panose="02070309020205020404" pitchFamily="49" charset="0"/>
-              </a:rPr>
-              <a:t>a[</a:t>
-            </a:r>
-            <a:r>
-              <a:rPr lang="en-US" sz="2400" dirty="0" err="1" smtClean="0">
-                <a:solidFill>
-                  <a:srgbClr val="FF0000"/>
-                </a:solidFill>
-                <a:latin typeface="Courier New" panose="02070309020205020404" pitchFamily="49" charset="0"/>
-                <a:cs typeface="Courier New" panose="02070309020205020404" pitchFamily="49" charset="0"/>
-              </a:rPr>
-              <a:t>i</a:t>
-            </a:r>
-            <a:r>
-              <a:rPr lang="en-US" sz="2400" dirty="0" smtClean="0">
-                <a:solidFill>
-                  <a:srgbClr val="FF0000"/>
-                </a:solidFill>
-                <a:latin typeface="Courier New" panose="02070309020205020404" pitchFamily="49" charset="0"/>
-                <a:cs typeface="Courier New" panose="02070309020205020404" pitchFamily="49" charset="0"/>
-              </a:rPr>
-              <a:t>] != ‘\0’ </a:t>
-            </a:r>
-            <a:r>
-              <a:rPr lang="en-US" sz="2400" dirty="0" smtClean="0">
-                <a:latin typeface="Courier New" panose="02070309020205020404" pitchFamily="49" charset="0"/>
-                <a:cs typeface="Courier New" panose="02070309020205020404" pitchFamily="49" charset="0"/>
-              </a:rPr>
-              <a:t>)</a:t>
-            </a:r>
-            <a:br>
-              <a:rPr lang="en-US" sz="2400" dirty="0" smtClean="0">
-                <a:latin typeface="Courier New" panose="02070309020205020404" pitchFamily="49" charset="0"/>
-                <a:cs typeface="Courier New" panose="02070309020205020404" pitchFamily="49" charset="0"/>
-              </a:rPr>
-            </a:br>
-            <a:r>
-              <a:rPr lang="en-US" sz="2400" dirty="0" smtClean="0">
-                <a:latin typeface="Courier New" panose="02070309020205020404" pitchFamily="49" charset="0"/>
-                <a:cs typeface="Courier New" panose="02070309020205020404" pitchFamily="49" charset="0"/>
-              </a:rPr>
-              <a:t>           </a:t>
-            </a:r>
-            <a:r>
-              <a:rPr lang="en-US" sz="2400" dirty="0" err="1" smtClean="0">
-                <a:latin typeface="Courier New" panose="02070309020205020404" pitchFamily="49" charset="0"/>
-                <a:cs typeface="Courier New" panose="02070309020205020404" pitchFamily="49" charset="0"/>
-              </a:rPr>
-              <a:t>printf</a:t>
-            </a:r>
-            <a:r>
-              <a:rPr lang="en-US" sz="2400" dirty="0" smtClean="0">
-                <a:latin typeface="Courier New" panose="02070309020205020404" pitchFamily="49" charset="0"/>
-                <a:cs typeface="Courier New" panose="02070309020205020404" pitchFamily="49" charset="0"/>
-              </a:rPr>
-              <a:t>(“%</a:t>
-            </a:r>
-            <a:r>
-              <a:rPr lang="en-US" sz="2400" dirty="0" err="1" smtClean="0">
-                <a:latin typeface="Courier New" panose="02070309020205020404" pitchFamily="49" charset="0"/>
-                <a:cs typeface="Courier New" panose="02070309020205020404" pitchFamily="49" charset="0"/>
-              </a:rPr>
-              <a:t>c”,a</a:t>
-            </a:r>
-            <a:r>
-              <a:rPr lang="en-US" sz="2400" dirty="0" smtClean="0">
-                <a:latin typeface="Courier New" panose="02070309020205020404" pitchFamily="49" charset="0"/>
-                <a:cs typeface="Courier New" panose="02070309020205020404" pitchFamily="49" charset="0"/>
-              </a:rPr>
-              <a:t>[</a:t>
-            </a:r>
-            <a:r>
-              <a:rPr lang="en-US" sz="2400" dirty="0" err="1" smtClean="0">
-                <a:latin typeface="Courier New" panose="02070309020205020404" pitchFamily="49" charset="0"/>
-                <a:cs typeface="Courier New" panose="02070309020205020404" pitchFamily="49" charset="0"/>
-              </a:rPr>
-              <a:t>i</a:t>
-            </a:r>
-            <a:r>
-              <a:rPr lang="en-US" sz="2400" dirty="0" smtClean="0">
-                <a:latin typeface="Courier New" panose="02070309020205020404" pitchFamily="49" charset="0"/>
-                <a:cs typeface="Courier New" panose="02070309020205020404" pitchFamily="49" charset="0"/>
-              </a:rPr>
-              <a:t>++]);</a:t>
-            </a:r>
-            <a:br>
-              <a:rPr lang="en-US" sz="2400" dirty="0" smtClean="0">
-                <a:latin typeface="Courier New" panose="02070309020205020404" pitchFamily="49" charset="0"/>
-                <a:cs typeface="Courier New" panose="02070309020205020404" pitchFamily="49" charset="0"/>
-              </a:rPr>
-            </a:br>
-            <a:r>
-              <a:rPr lang="en-US" sz="2400" dirty="0" smtClean="0">
-                <a:latin typeface="Courier New" panose="02070309020205020404" pitchFamily="49" charset="0"/>
-                <a:cs typeface="Courier New" panose="02070309020205020404" pitchFamily="49" charset="0"/>
-              </a:rPr>
-              <a:t>   </a:t>
-            </a:r>
-            <a:r>
-              <a:rPr lang="en-US" sz="2400" dirty="0" err="1" smtClean="0">
-                <a:latin typeface="Courier New" panose="02070309020205020404" pitchFamily="49" charset="0"/>
-                <a:cs typeface="Courier New" panose="02070309020205020404" pitchFamily="49" charset="0"/>
-              </a:rPr>
-              <a:t>printf</a:t>
-            </a:r>
-            <a:r>
-              <a:rPr lang="en-US" sz="2400" dirty="0" smtClean="0">
-                <a:latin typeface="Courier New" panose="02070309020205020404" pitchFamily="49" charset="0"/>
-                <a:cs typeface="Courier New" panose="02070309020205020404" pitchFamily="49" charset="0"/>
-              </a:rPr>
-              <a:t>(“\n”);</a:t>
-            </a:r>
-            <a:br>
-              <a:rPr lang="en-US" sz="2400" dirty="0" smtClean="0">
-                <a:latin typeface="Courier New" panose="02070309020205020404" pitchFamily="49" charset="0"/>
-                <a:cs typeface="Courier New" panose="02070309020205020404" pitchFamily="49" charset="0"/>
-              </a:rPr>
-            </a:br>
-            <a:r>
-              <a:rPr lang="en-US" sz="2400" dirty="0" smtClean="0">
-                <a:latin typeface="Courier New" panose="02070309020205020404" pitchFamily="49" charset="0"/>
-                <a:cs typeface="Courier New" panose="02070309020205020404" pitchFamily="49" charset="0"/>
-              </a:rPr>
-              <a:t>}</a:t>
-            </a:r>
-            <a:endParaRPr lang="en-US" sz="2400" dirty="0">
-              <a:latin typeface="Courier New" panose="02070309020205020404" pitchFamily="49" charset="0"/>
-              <a:cs typeface="Courier New" panose="02070309020205020404" pitchFamily="49" charset="0"/>
+              </a:rPr>
+              <a:t>null character</a:t>
+            </a:r>
+            <a:r>
+              <a:rPr lang="en-US" dirty="0" smtClean="0"/>
+              <a:t>). That is what is </a:t>
+            </a:r>
+            <a:r>
+              <a:rPr lang="en-US" b="1" u="sng" dirty="0" smtClean="0"/>
+              <a:t>special</a:t>
+            </a:r>
+            <a:r>
+              <a:rPr lang="en-US" dirty="0" smtClean="0"/>
+              <a:t>.</a:t>
+            </a:r>
+          </a:p>
+          <a:p>
+            <a:r>
+              <a:rPr lang="en-US" dirty="0" smtClean="0"/>
+              <a:t>And there is a much simpler way to write them, just put them in double quotes:   “ “</a:t>
+            </a:r>
+          </a:p>
+          <a:p>
+            <a:r>
+              <a:rPr lang="en-US" sz="2400" dirty="0" smtClean="0">
+                <a:latin typeface="Courier New" panose="02070309020205020404" pitchFamily="49" charset="0"/>
+                <a:cs typeface="Courier New" panose="02070309020205020404" pitchFamily="49" charset="0"/>
+              </a:rPr>
+              <a:t>char a[10]={‘h’, ’e’, ’l’, ’l’, ’o’,  ‘\0’ };  </a:t>
+            </a:r>
+            <a:r>
+              <a:rPr lang="en-US" dirty="0" smtClean="0"/>
+              <a:t>which is a string, is preferably initialized as   char a[10]=“hello” ;    </a:t>
+            </a:r>
+            <a:r>
+              <a:rPr lang="en-US" i="1" dirty="0" smtClean="0">
+                <a:latin typeface="Garamond" panose="02020404030301010803" pitchFamily="18" charset="0"/>
+              </a:rPr>
+              <a:t>That makes it simple!</a:t>
+            </a:r>
+            <a:endParaRPr lang="en-US" i="1" dirty="0">
+              <a:latin typeface="Garamond" panose="02020404030301010803" pitchFamily="18" charset="0"/>
             </a:endParaRPr>
           </a:p>
         </p:txBody>
@@ -4681,7 +4367,7 @@
     </p:spTree>
     <p:extLst>
       <p:ext uri="{BB962C8B-B14F-4D97-AF65-F5344CB8AC3E}">
-        <p14:creationId xmlns:p14="http://schemas.microsoft.com/office/powerpoint/2010/main" val="1690260144"/>
+        <p14:creationId xmlns:p14="http://schemas.microsoft.com/office/powerpoint/2010/main" val="240778326"/>
       </p:ext>
     </p:extLst>
   </p:cSld>
@@ -4750,233 +4436,534 @@
         </p:nvSpPr>
         <p:spPr/>
         <p:txBody>
-          <a:bodyPr/>
+          <a:bodyPr>
+            <a:normAutofit fontScale="92500" lnSpcReduction="10000"/>
+          </a:bodyPr>
           <a:lstStyle/>
           <a:p>
             <a:r>
               <a:rPr lang="en-US" dirty="0" smtClean="0"/>
-              <a:t>Little exercise:</a:t>
-            </a:r>
-          </a:p>
-          <a:p>
-            <a:pPr lvl="1"/>
-            <a:r>
-              <a:rPr lang="en-US" dirty="0" smtClean="0"/>
-              <a:t>Define three arrays   </a:t>
-            </a:r>
-            <a:r>
-              <a:rPr lang="en-US" b="1" dirty="0" smtClean="0">
-                <a:latin typeface="Courier New" panose="02070309020205020404" pitchFamily="49" charset="0"/>
-                <a:cs typeface="Courier New" panose="02070309020205020404" pitchFamily="49" charset="0"/>
-              </a:rPr>
-              <a:t>a, b </a:t>
-            </a:r>
-            <a:r>
-              <a:rPr lang="en-US" dirty="0" smtClean="0"/>
-              <a:t>and</a:t>
-            </a:r>
-            <a:r>
-              <a:rPr lang="en-US" b="1" dirty="0" smtClean="0">
-                <a:latin typeface="Courier New" panose="02070309020205020404" pitchFamily="49" charset="0"/>
-                <a:cs typeface="Courier New" panose="02070309020205020404" pitchFamily="49" charset="0"/>
-              </a:rPr>
-              <a:t> c  </a:t>
-            </a:r>
-            <a:r>
-              <a:rPr lang="en-US" dirty="0" smtClean="0"/>
-              <a:t>to hold strings, </a:t>
-            </a:r>
-            <a:r>
-              <a:rPr lang="en-US" i="1" dirty="0" smtClean="0"/>
-              <a:t>make them large enough</a:t>
-            </a:r>
-            <a:r>
-              <a:rPr lang="en-US" dirty="0" smtClean="0"/>
-              <a:t>. Initialize a and b to “hello” and “world” respectively.</a:t>
-            </a:r>
-          </a:p>
-          <a:p>
-            <a:pPr marL="914400" lvl="1" indent="-457200">
-              <a:buFont typeface="+mj-lt"/>
-              <a:buAutoNum type="arabicPeriod"/>
-            </a:pPr>
-            <a:r>
-              <a:rPr lang="en-US" dirty="0" smtClean="0"/>
-              <a:t>Can you copy  </a:t>
-            </a:r>
-            <a:r>
-              <a:rPr lang="en-US" b="1" dirty="0" smtClean="0">
-                <a:latin typeface="Courier New" panose="02070309020205020404" pitchFamily="49" charset="0"/>
-                <a:cs typeface="Courier New" panose="02070309020205020404" pitchFamily="49" charset="0"/>
-              </a:rPr>
-              <a:t>a </a:t>
-            </a:r>
-            <a:r>
-              <a:rPr lang="en-US" dirty="0" smtClean="0"/>
-              <a:t>  to  </a:t>
-            </a:r>
-            <a:r>
-              <a:rPr lang="en-US" b="1" dirty="0">
-                <a:latin typeface="Courier New" panose="02070309020205020404" pitchFamily="49" charset="0"/>
-                <a:cs typeface="Courier New" panose="02070309020205020404" pitchFamily="49" charset="0"/>
-              </a:rPr>
-              <a:t> c  </a:t>
-            </a:r>
-            <a:r>
-              <a:rPr lang="en-US" dirty="0" smtClean="0"/>
-              <a:t>to make string </a:t>
-            </a:r>
-            <a:r>
-              <a:rPr lang="en-US" b="1" dirty="0">
-                <a:latin typeface="Courier New" panose="02070309020205020404" pitchFamily="49" charset="0"/>
-                <a:cs typeface="Courier New" panose="02070309020205020404" pitchFamily="49" charset="0"/>
-              </a:rPr>
-              <a:t> c </a:t>
-            </a:r>
-            <a:r>
-              <a:rPr lang="en-US" dirty="0" smtClean="0"/>
-              <a:t>and string  </a:t>
-            </a:r>
-            <a:r>
-              <a:rPr lang="en-US" b="1" dirty="0" smtClean="0">
-                <a:latin typeface="Courier New" panose="02070309020205020404" pitchFamily="49" charset="0"/>
-                <a:cs typeface="Courier New" panose="02070309020205020404" pitchFamily="49" charset="0"/>
-              </a:rPr>
-              <a:t>a</a:t>
-            </a:r>
-            <a:r>
-              <a:rPr lang="en-US" dirty="0" smtClean="0"/>
-              <a:t>  the same?</a:t>
-            </a:r>
-          </a:p>
-          <a:p>
-            <a:pPr marL="914400" lvl="1" indent="-457200">
-              <a:buFont typeface="+mj-lt"/>
-              <a:buAutoNum type="arabicPeriod"/>
-            </a:pPr>
-            <a:r>
-              <a:rPr lang="en-US" dirty="0" smtClean="0"/>
-              <a:t>Can you copy string   </a:t>
-            </a:r>
-            <a:r>
-              <a:rPr lang="en-US" b="1" dirty="0" smtClean="0">
-                <a:latin typeface="Courier New" panose="02070309020205020404" pitchFamily="49" charset="0"/>
-                <a:cs typeface="Courier New" panose="02070309020205020404" pitchFamily="49" charset="0"/>
-              </a:rPr>
-              <a:t>b </a:t>
-            </a:r>
-            <a:r>
-              <a:rPr lang="en-US" dirty="0" smtClean="0"/>
-              <a:t> to the end of string  </a:t>
-            </a:r>
-            <a:r>
-              <a:rPr lang="en-US" b="1" dirty="0" smtClean="0">
-                <a:latin typeface="Courier New" panose="02070309020205020404" pitchFamily="49" charset="0"/>
-                <a:cs typeface="Courier New" panose="02070309020205020404" pitchFamily="49" charset="0"/>
-              </a:rPr>
-              <a:t>a</a:t>
-            </a:r>
-            <a:r>
-              <a:rPr lang="en-US" dirty="0" smtClean="0"/>
-              <a:t>  so that  </a:t>
-            </a:r>
-            <a:r>
-              <a:rPr lang="en-US" b="1" dirty="0" smtClean="0">
-                <a:latin typeface="Courier New" panose="02070309020205020404" pitchFamily="49" charset="0"/>
-                <a:cs typeface="Courier New" panose="02070309020205020404" pitchFamily="49" charset="0"/>
-              </a:rPr>
-              <a:t>a</a:t>
-            </a:r>
-            <a:r>
-              <a:rPr lang="en-US" dirty="0" smtClean="0"/>
-              <a:t>   is now the concatenation of the original   </a:t>
-            </a:r>
-            <a:r>
-              <a:rPr lang="en-US" b="1" dirty="0" smtClean="0">
-                <a:latin typeface="Courier New" panose="02070309020205020404" pitchFamily="49" charset="0"/>
-                <a:cs typeface="Courier New" panose="02070309020205020404" pitchFamily="49" charset="0"/>
-              </a:rPr>
-              <a:t>a  </a:t>
-            </a:r>
-            <a:r>
-              <a:rPr lang="en-US" dirty="0" smtClean="0"/>
-              <a:t>followed by    </a:t>
-            </a:r>
-            <a:r>
-              <a:rPr lang="en-US" b="1" dirty="0" smtClean="0">
-                <a:latin typeface="Courier New" panose="02070309020205020404" pitchFamily="49" charset="0"/>
-                <a:cs typeface="Courier New" panose="02070309020205020404" pitchFamily="49" charset="0"/>
-              </a:rPr>
-              <a:t>b</a:t>
-            </a:r>
-            <a:r>
-              <a:rPr lang="en-US" b="1" dirty="0" smtClean="0"/>
-              <a:t> </a:t>
-            </a:r>
-            <a:r>
-              <a:rPr lang="en-US" dirty="0" smtClean="0"/>
-              <a:t>?</a:t>
-            </a:r>
-          </a:p>
-          <a:p>
-            <a:pPr lvl="1"/>
-            <a:r>
-              <a:rPr lang="en-US" dirty="0" smtClean="0"/>
-              <a:t>We need this because we </a:t>
-            </a:r>
-            <a:r>
-              <a:rPr lang="en-US" b="1" u="sng" dirty="0" smtClean="0">
+              <a:t>Defining the variable is just like any other array: </a:t>
+            </a:r>
+            <a:r>
+              <a:rPr lang="en-US" dirty="0" smtClean="0">
+                <a:latin typeface="Courier New" panose="02070309020205020404" pitchFamily="49" charset="0"/>
+                <a:cs typeface="Courier New" panose="02070309020205020404" pitchFamily="49" charset="0"/>
+              </a:rPr>
+              <a:t>char a[10];</a:t>
+            </a:r>
+          </a:p>
+          <a:p>
+            <a:r>
+              <a:rPr lang="en-US" dirty="0" smtClean="0">
+                <a:cs typeface="Courier New" panose="02070309020205020404" pitchFamily="49" charset="0"/>
+              </a:rPr>
+              <a:t>Reading:  </a:t>
+            </a:r>
+            <a:r>
+              <a:rPr lang="en-US" dirty="0" err="1" smtClean="0">
+                <a:latin typeface="Courier New" panose="02070309020205020404" pitchFamily="49" charset="0"/>
+                <a:cs typeface="Courier New" panose="02070309020205020404" pitchFamily="49" charset="0"/>
+              </a:rPr>
+              <a:t>scanf</a:t>
+            </a:r>
+            <a:r>
+              <a:rPr lang="en-US" dirty="0" smtClean="0">
+                <a:latin typeface="Courier New" panose="02070309020205020404" pitchFamily="49" charset="0"/>
+                <a:cs typeface="Courier New" panose="02070309020205020404" pitchFamily="49" charset="0"/>
+              </a:rPr>
+              <a:t>(“%</a:t>
+            </a:r>
+            <a:r>
+              <a:rPr lang="en-US" dirty="0" err="1" smtClean="0">
+                <a:latin typeface="Courier New" panose="02070309020205020404" pitchFamily="49" charset="0"/>
+                <a:cs typeface="Courier New" panose="02070309020205020404" pitchFamily="49" charset="0"/>
+              </a:rPr>
+              <a:t>s”,a</a:t>
+            </a:r>
+            <a:r>
+              <a:rPr lang="en-US" dirty="0" smtClean="0">
+                <a:latin typeface="Courier New" panose="02070309020205020404" pitchFamily="49" charset="0"/>
+                <a:cs typeface="Courier New" panose="02070309020205020404" pitchFamily="49" charset="0"/>
+              </a:rPr>
+              <a:t>);</a:t>
+            </a:r>
+            <a:r>
+              <a:rPr lang="en-US" dirty="0" smtClean="0">
+                <a:cs typeface="Courier New" panose="02070309020205020404" pitchFamily="49" charset="0"/>
+              </a:rPr>
+              <a:t>     </a:t>
+            </a:r>
+            <a:r>
+              <a:rPr lang="en-US" i="1" dirty="0" smtClean="0">
+                <a:latin typeface="Garamond" panose="02020404030301010803" pitchFamily="18" charset="0"/>
+                <a:cs typeface="Courier New" panose="02070309020205020404" pitchFamily="49" charset="0"/>
+              </a:rPr>
+              <a:t>(notice we dropped the  </a:t>
+            </a:r>
+            <a:r>
+              <a:rPr lang="en-US" sz="3200" b="1" dirty="0" smtClean="0">
                 <a:solidFill>
                   <a:srgbClr val="FF0000"/>
                 </a:solidFill>
-              </a:rPr>
-              <a:t>do not </a:t>
-            </a:r>
-            <a:r>
-              <a:rPr lang="en-US" dirty="0" smtClean="0"/>
-              <a:t>have something like</a:t>
-            </a:r>
-            <a:br>
-              <a:rPr lang="en-US" dirty="0" smtClean="0"/>
-            </a:br>
-            <a:r>
-              <a:rPr lang="en-US" dirty="0" smtClean="0"/>
-              <a:t>         </a:t>
-            </a:r>
+                <a:latin typeface="Courier New" panose="02070309020205020404" pitchFamily="49" charset="0"/>
+                <a:cs typeface="Courier New" panose="02070309020205020404" pitchFamily="49" charset="0"/>
+              </a:rPr>
+              <a:t>&amp;</a:t>
+            </a:r>
+            <a:r>
+              <a:rPr lang="en-US" b="1" i="1" dirty="0" smtClean="0">
+                <a:latin typeface="Garamond" panose="02020404030301010803" pitchFamily="18" charset="0"/>
+                <a:cs typeface="Courier New" panose="02070309020205020404" pitchFamily="49" charset="0"/>
+              </a:rPr>
+              <a:t> </a:t>
+            </a:r>
+            <a:r>
+              <a:rPr lang="en-US" i="1" dirty="0" smtClean="0">
+                <a:latin typeface="Garamond" panose="02020404030301010803" pitchFamily="18" charset="0"/>
+                <a:cs typeface="Courier New" panose="02070309020205020404" pitchFamily="49" charset="0"/>
+              </a:rPr>
+              <a:t>!)</a:t>
+            </a:r>
+          </a:p>
+          <a:p>
             <a:r>
               <a:rPr lang="en-US" dirty="0" smtClean="0">
-                <a:latin typeface="Courier New" panose="02070309020205020404" pitchFamily="49" charset="0"/>
-                <a:cs typeface="Courier New" panose="02070309020205020404" pitchFamily="49" charset="0"/>
-              </a:rPr>
-              <a:t>c = a;  </a:t>
-            </a:r>
-            <a:r>
-              <a:rPr lang="en-US" dirty="0" smtClean="0"/>
-              <a:t>or </a:t>
+                <a:cs typeface="Courier New" panose="02070309020205020404" pitchFamily="49" charset="0"/>
+              </a:rPr>
+              <a:t>Printing:  </a:t>
+            </a:r>
+            <a:r>
+              <a:rPr lang="en-US" dirty="0" err="1" smtClean="0">
+                <a:latin typeface="Courier New" panose="02070309020205020404" pitchFamily="49" charset="0"/>
+                <a:cs typeface="Courier New" panose="02070309020205020404" pitchFamily="49" charset="0"/>
+              </a:rPr>
+              <a:t>printf</a:t>
             </a:r>
             <a:r>
               <a:rPr lang="en-US" dirty="0" smtClean="0">
                 <a:latin typeface="Courier New" panose="02070309020205020404" pitchFamily="49" charset="0"/>
                 <a:cs typeface="Courier New" panose="02070309020205020404" pitchFamily="49" charset="0"/>
               </a:rPr>
-              <a:t>a = a + b;     </a:t>
-            </a:r>
-            <a:r>
-              <a:rPr lang="en-US" sz="4000" b="1" dirty="0" smtClean="0">
+              <a:t>(“%</a:t>
+            </a:r>
+            <a:r>
+              <a:rPr lang="en-US" dirty="0" err="1" smtClean="0">
+                <a:latin typeface="Courier New" panose="02070309020205020404" pitchFamily="49" charset="0"/>
+                <a:cs typeface="Courier New" panose="02070309020205020404" pitchFamily="49" charset="0"/>
+              </a:rPr>
+              <a:t>s”,a</a:t>
+            </a:r>
+            <a:r>
+              <a:rPr lang="en-US" dirty="0" smtClean="0">
+                <a:latin typeface="Courier New" panose="02070309020205020404" pitchFamily="49" charset="0"/>
+                <a:cs typeface="Courier New" panose="02070309020205020404" pitchFamily="49" charset="0"/>
+              </a:rPr>
+              <a:t>);</a:t>
+            </a:r>
+          </a:p>
+          <a:p>
+            <a:r>
+              <a:rPr lang="en-US" dirty="0" smtClean="0">
+                <a:cs typeface="Courier New" panose="02070309020205020404" pitchFamily="49" charset="0"/>
+              </a:rPr>
+              <a:t>While </a:t>
+            </a:r>
+            <a:r>
+              <a:rPr lang="en-US" i="1" dirty="0" smtClean="0">
+                <a:latin typeface="Garamond" panose="02020404030301010803" pitchFamily="18" charset="0"/>
+                <a:cs typeface="Courier New" panose="02070309020205020404" pitchFamily="49" charset="0"/>
+              </a:rPr>
+              <a:t>initialization</a:t>
+            </a:r>
+            <a:r>
+              <a:rPr lang="en-US" dirty="0" smtClean="0">
+                <a:cs typeface="Courier New" panose="02070309020205020404" pitchFamily="49" charset="0"/>
+              </a:rPr>
+              <a:t> </a:t>
+            </a:r>
+            <a:r>
+              <a:rPr lang="en-US" i="1" dirty="0" smtClean="0">
+                <a:latin typeface="Garamond" panose="02020404030301010803" pitchFamily="18" charset="0"/>
+                <a:cs typeface="Courier New" panose="02070309020205020404" pitchFamily="49" charset="0"/>
+              </a:rPr>
+              <a:t>is ok</a:t>
+            </a:r>
+            <a:r>
+              <a:rPr lang="en-US" dirty="0" smtClean="0">
+                <a:cs typeface="Courier New" panose="02070309020205020404" pitchFamily="49" charset="0"/>
+              </a:rPr>
+              <a:t>, we </a:t>
+            </a:r>
+            <a:r>
+              <a:rPr lang="en-US" b="1" i="1" dirty="0" smtClean="0">
                 <a:solidFill>
                   <a:srgbClr val="FF0000"/>
                 </a:solidFill>
-                <a:latin typeface="Courier New" panose="02070309020205020404" pitchFamily="49" charset="0"/>
-                <a:cs typeface="Courier New" panose="02070309020205020404" pitchFamily="49" charset="0"/>
-              </a:rPr>
-              <a:t> X</a:t>
-            </a:r>
-            <a:endParaRPr lang="en-US" sz="4000" b="1" dirty="0">
-              <a:solidFill>
-                <a:srgbClr val="FF0000"/>
-              </a:solidFill>
+                <a:cs typeface="Courier New" panose="02070309020205020404" pitchFamily="49" charset="0"/>
+              </a:rPr>
+              <a:t>cannot assign elsewhere</a:t>
+            </a:r>
+            <a:r>
+              <a:rPr lang="en-US" dirty="0" smtClean="0">
+                <a:cs typeface="Courier New" panose="02070309020205020404" pitchFamily="49" charset="0"/>
+              </a:rPr>
+              <a:t>, so </a:t>
+            </a:r>
+            <a:br>
+              <a:rPr lang="en-US" dirty="0" smtClean="0">
+                <a:cs typeface="Courier New" panose="02070309020205020404" pitchFamily="49" charset="0"/>
+              </a:rPr>
+            </a:br>
+            <a:r>
+              <a:rPr lang="en-US" dirty="0" smtClean="0">
+                <a:cs typeface="Courier New" panose="02070309020205020404" pitchFamily="49" charset="0"/>
+              </a:rPr>
+              <a:t>       </a:t>
+            </a:r>
+            <a:r>
+              <a:rPr lang="en-US" dirty="0" smtClean="0">
+                <a:latin typeface="Courier New" panose="02070309020205020404" pitchFamily="49" charset="0"/>
+                <a:cs typeface="Courier New" panose="02070309020205020404" pitchFamily="49" charset="0"/>
+              </a:rPr>
+              <a:t>a = “Namaste”;   </a:t>
+            </a:r>
+            <a:r>
+              <a:rPr lang="en-US" b="1" dirty="0" smtClean="0">
+                <a:cs typeface="Courier New" panose="02070309020205020404" pitchFamily="49" charset="0"/>
+              </a:rPr>
+              <a:t>would show an error.  </a:t>
+            </a:r>
+          </a:p>
+          <a:p>
+            <a:r>
+              <a:rPr lang="en-US" dirty="0" smtClean="0">
+                <a:cs typeface="Courier New" panose="02070309020205020404" pitchFamily="49" charset="0"/>
+              </a:rPr>
+              <a:t>We can </a:t>
+            </a:r>
+            <a:r>
+              <a:rPr lang="en-US" dirty="0" err="1" smtClean="0">
+                <a:cs typeface="Courier New" panose="02070309020205020404" pitchFamily="49" charset="0"/>
+              </a:rPr>
+              <a:t>printf</a:t>
+            </a:r>
+            <a:r>
+              <a:rPr lang="en-US" dirty="0" smtClean="0">
+                <a:cs typeface="Courier New" panose="02070309020205020404" pitchFamily="49" charset="0"/>
+              </a:rPr>
+              <a:t> characters of the string one by one if we wanted to:</a:t>
+            </a:r>
+            <a:br>
+              <a:rPr lang="en-US" dirty="0" smtClean="0">
+                <a:cs typeface="Courier New" panose="02070309020205020404" pitchFamily="49" charset="0"/>
+              </a:rPr>
+            </a:br>
+            <a:r>
+              <a:rPr lang="en-US" sz="2400" dirty="0" smtClean="0">
+                <a:latin typeface="Courier New" panose="02070309020205020404" pitchFamily="49" charset="0"/>
+                <a:cs typeface="Courier New" panose="02070309020205020404" pitchFamily="49" charset="0"/>
+              </a:rPr>
+              <a:t>{  char a[10]=“hello”;</a:t>
+            </a:r>
+            <a:br>
+              <a:rPr lang="en-US" sz="2400" dirty="0" smtClean="0">
+                <a:latin typeface="Courier New" panose="02070309020205020404" pitchFamily="49" charset="0"/>
+                <a:cs typeface="Courier New" panose="02070309020205020404" pitchFamily="49" charset="0"/>
+              </a:rPr>
+            </a:br>
+            <a:r>
+              <a:rPr lang="en-US" sz="2400" dirty="0" smtClean="0">
+                <a:latin typeface="Courier New" panose="02070309020205020404" pitchFamily="49" charset="0"/>
+                <a:cs typeface="Courier New" panose="02070309020205020404" pitchFamily="49" charset="0"/>
+              </a:rPr>
+              <a:t>   </a:t>
+            </a:r>
+            <a:r>
+              <a:rPr lang="en-US" sz="2400" dirty="0" err="1" smtClean="0">
+                <a:latin typeface="Courier New" panose="02070309020205020404" pitchFamily="49" charset="0"/>
+                <a:cs typeface="Courier New" panose="02070309020205020404" pitchFamily="49" charset="0"/>
+              </a:rPr>
+              <a:t>int</a:t>
+            </a:r>
+            <a:r>
+              <a:rPr lang="en-US" sz="2400" dirty="0" smtClean="0">
+                <a:latin typeface="Courier New" panose="02070309020205020404" pitchFamily="49" charset="0"/>
+                <a:cs typeface="Courier New" panose="02070309020205020404" pitchFamily="49" charset="0"/>
+              </a:rPr>
+              <a:t> </a:t>
+            </a:r>
+            <a:r>
+              <a:rPr lang="en-US" sz="2400" dirty="0" err="1" smtClean="0">
+                <a:latin typeface="Courier New" panose="02070309020205020404" pitchFamily="49" charset="0"/>
+                <a:cs typeface="Courier New" panose="02070309020205020404" pitchFamily="49" charset="0"/>
+              </a:rPr>
+              <a:t>i</a:t>
+            </a:r>
+            <a:r>
+              <a:rPr lang="en-US" sz="2400" dirty="0" smtClean="0">
+                <a:latin typeface="Courier New" panose="02070309020205020404" pitchFamily="49" charset="0"/>
+                <a:cs typeface="Courier New" panose="02070309020205020404" pitchFamily="49" charset="0"/>
+              </a:rPr>
+              <a:t>=0;</a:t>
+            </a:r>
+            <a:br>
+              <a:rPr lang="en-US" sz="2400" dirty="0" smtClean="0">
+                <a:latin typeface="Courier New" panose="02070309020205020404" pitchFamily="49" charset="0"/>
+                <a:cs typeface="Courier New" panose="02070309020205020404" pitchFamily="49" charset="0"/>
+              </a:rPr>
+            </a:br>
+            <a:r>
+              <a:rPr lang="en-US" sz="2400" dirty="0" smtClean="0">
+                <a:latin typeface="Courier New" panose="02070309020205020404" pitchFamily="49" charset="0"/>
+                <a:cs typeface="Courier New" panose="02070309020205020404" pitchFamily="49" charset="0"/>
+              </a:rPr>
+              <a:t>   while( </a:t>
+            </a:r>
+            <a:r>
+              <a:rPr lang="en-US" sz="2400" dirty="0" smtClean="0">
+                <a:solidFill>
+                  <a:srgbClr val="FF0000"/>
+                </a:solidFill>
+                <a:latin typeface="Courier New" panose="02070309020205020404" pitchFamily="49" charset="0"/>
+                <a:cs typeface="Courier New" panose="02070309020205020404" pitchFamily="49" charset="0"/>
+              </a:rPr>
+              <a:t>a[</a:t>
+            </a:r>
+            <a:r>
+              <a:rPr lang="en-US" sz="2400" dirty="0" err="1" smtClean="0">
+                <a:solidFill>
+                  <a:srgbClr val="FF0000"/>
+                </a:solidFill>
+                <a:latin typeface="Courier New" panose="02070309020205020404" pitchFamily="49" charset="0"/>
+                <a:cs typeface="Courier New" panose="02070309020205020404" pitchFamily="49" charset="0"/>
+              </a:rPr>
+              <a:t>i</a:t>
+            </a:r>
+            <a:r>
+              <a:rPr lang="en-US" sz="2400" dirty="0" smtClean="0">
+                <a:solidFill>
+                  <a:srgbClr val="FF0000"/>
+                </a:solidFill>
+                <a:latin typeface="Courier New" panose="02070309020205020404" pitchFamily="49" charset="0"/>
+                <a:cs typeface="Courier New" panose="02070309020205020404" pitchFamily="49" charset="0"/>
+              </a:rPr>
+              <a:t>] != ‘\0’ </a:t>
+            </a:r>
+            <a:r>
+              <a:rPr lang="en-US" sz="2400" dirty="0" smtClean="0">
+                <a:latin typeface="Courier New" panose="02070309020205020404" pitchFamily="49" charset="0"/>
+                <a:cs typeface="Courier New" panose="02070309020205020404" pitchFamily="49" charset="0"/>
+              </a:rPr>
+              <a:t>)</a:t>
+            </a:r>
+            <a:br>
+              <a:rPr lang="en-US" sz="2400" dirty="0" smtClean="0">
+                <a:latin typeface="Courier New" panose="02070309020205020404" pitchFamily="49" charset="0"/>
+                <a:cs typeface="Courier New" panose="02070309020205020404" pitchFamily="49" charset="0"/>
+              </a:rPr>
+            </a:br>
+            <a:r>
+              <a:rPr lang="en-US" sz="2400" dirty="0" smtClean="0">
+                <a:latin typeface="Courier New" panose="02070309020205020404" pitchFamily="49" charset="0"/>
+                <a:cs typeface="Courier New" panose="02070309020205020404" pitchFamily="49" charset="0"/>
+              </a:rPr>
+              <a:t>           </a:t>
+            </a:r>
+            <a:r>
+              <a:rPr lang="en-US" sz="2400" dirty="0" err="1" smtClean="0">
+                <a:latin typeface="Courier New" panose="02070309020205020404" pitchFamily="49" charset="0"/>
+                <a:cs typeface="Courier New" panose="02070309020205020404" pitchFamily="49" charset="0"/>
+              </a:rPr>
+              <a:t>printf</a:t>
+            </a:r>
+            <a:r>
+              <a:rPr lang="en-US" sz="2400" dirty="0" smtClean="0">
+                <a:latin typeface="Courier New" panose="02070309020205020404" pitchFamily="49" charset="0"/>
+                <a:cs typeface="Courier New" panose="02070309020205020404" pitchFamily="49" charset="0"/>
+              </a:rPr>
+              <a:t>(“%</a:t>
+            </a:r>
+            <a:r>
+              <a:rPr lang="en-US" sz="2400" dirty="0" err="1" smtClean="0">
+                <a:latin typeface="Courier New" panose="02070309020205020404" pitchFamily="49" charset="0"/>
+                <a:cs typeface="Courier New" panose="02070309020205020404" pitchFamily="49" charset="0"/>
+              </a:rPr>
+              <a:t>c”,a</a:t>
+            </a:r>
+            <a:r>
+              <a:rPr lang="en-US" sz="2400" dirty="0" smtClean="0">
+                <a:latin typeface="Courier New" panose="02070309020205020404" pitchFamily="49" charset="0"/>
+                <a:cs typeface="Courier New" panose="02070309020205020404" pitchFamily="49" charset="0"/>
+              </a:rPr>
+              <a:t>[</a:t>
+            </a:r>
+            <a:r>
+              <a:rPr lang="en-US" sz="2400" dirty="0" err="1" smtClean="0">
+                <a:latin typeface="Courier New" panose="02070309020205020404" pitchFamily="49" charset="0"/>
+                <a:cs typeface="Courier New" panose="02070309020205020404" pitchFamily="49" charset="0"/>
+              </a:rPr>
+              <a:t>i</a:t>
+            </a:r>
+            <a:r>
+              <a:rPr lang="en-US" sz="2400" dirty="0" smtClean="0">
+                <a:latin typeface="Courier New" panose="02070309020205020404" pitchFamily="49" charset="0"/>
+                <a:cs typeface="Courier New" panose="02070309020205020404" pitchFamily="49" charset="0"/>
+              </a:rPr>
+              <a:t>++]);</a:t>
+            </a:r>
+            <a:br>
+              <a:rPr lang="en-US" sz="2400" dirty="0" smtClean="0">
+                <a:latin typeface="Courier New" panose="02070309020205020404" pitchFamily="49" charset="0"/>
+                <a:cs typeface="Courier New" panose="02070309020205020404" pitchFamily="49" charset="0"/>
+              </a:rPr>
+            </a:br>
+            <a:r>
+              <a:rPr lang="en-US" sz="2400" dirty="0" smtClean="0">
+                <a:latin typeface="Courier New" panose="02070309020205020404" pitchFamily="49" charset="0"/>
+                <a:cs typeface="Courier New" panose="02070309020205020404" pitchFamily="49" charset="0"/>
+              </a:rPr>
+              <a:t>   </a:t>
+            </a:r>
+            <a:r>
+              <a:rPr lang="en-US" sz="2400" dirty="0" err="1" smtClean="0">
+                <a:latin typeface="Courier New" panose="02070309020205020404" pitchFamily="49" charset="0"/>
+                <a:cs typeface="Courier New" panose="02070309020205020404" pitchFamily="49" charset="0"/>
+              </a:rPr>
+              <a:t>printf</a:t>
+            </a:r>
+            <a:r>
+              <a:rPr lang="en-US" sz="2400" dirty="0" smtClean="0">
+                <a:latin typeface="Courier New" panose="02070309020205020404" pitchFamily="49" charset="0"/>
+                <a:cs typeface="Courier New" panose="02070309020205020404" pitchFamily="49" charset="0"/>
+              </a:rPr>
+              <a:t>(“\n”); </a:t>
+            </a:r>
+            <a:br>
+              <a:rPr lang="en-US" sz="2400" dirty="0" smtClean="0">
+                <a:latin typeface="Courier New" panose="02070309020205020404" pitchFamily="49" charset="0"/>
+                <a:cs typeface="Courier New" panose="02070309020205020404" pitchFamily="49" charset="0"/>
+              </a:rPr>
+            </a:br>
+            <a:r>
+              <a:rPr lang="en-US" sz="2400" dirty="0" smtClean="0">
+                <a:latin typeface="Courier New" panose="02070309020205020404" pitchFamily="49" charset="0"/>
+                <a:cs typeface="Courier New" panose="02070309020205020404" pitchFamily="49" charset="0"/>
+              </a:rPr>
+              <a:t>}</a:t>
+            </a:r>
+            <a:endParaRPr lang="en-US" sz="2400" dirty="0">
               <a:latin typeface="Courier New" panose="02070309020205020404" pitchFamily="49" charset="0"/>
               <a:cs typeface="Courier New" panose="02070309020205020404" pitchFamily="49" charset="0"/>
+            </a:endParaRPr>
+          </a:p>
+        </p:txBody>
+      </p:sp>
+      <p:sp>
+        <p:nvSpPr>
+          <p:cNvPr id="4" name="Freeform 3"/>
+          <p:cNvSpPr/>
+          <p:nvPr/>
+        </p:nvSpPr>
+        <p:spPr>
+          <a:xfrm>
+            <a:off x="8736037" y="2270859"/>
+            <a:ext cx="477227" cy="450167"/>
+          </a:xfrm>
+          <a:custGeom>
+            <a:avLst/>
+            <a:gdLst>
+              <a:gd name="connsiteX0" fmla="*/ 6438 w 604789"/>
+              <a:gd name="connsiteY0" fmla="*/ 422042 h 485051"/>
+              <a:gd name="connsiteX1" fmla="*/ 301859 w 604789"/>
+              <a:gd name="connsiteY1" fmla="*/ 11 h 485051"/>
+              <a:gd name="connsiteX2" fmla="*/ 597281 w 604789"/>
+              <a:gd name="connsiteY2" fmla="*/ 436109 h 485051"/>
+              <a:gd name="connsiteX3" fmla="*/ 6438 w 604789"/>
+              <a:gd name="connsiteY3" fmla="*/ 422042 h 485051"/>
+            </a:gdLst>
+            <a:ahLst/>
+            <a:cxnLst>
+              <a:cxn ang="0">
+                <a:pos x="connsiteX0" y="connsiteY0"/>
+              </a:cxn>
+              <a:cxn ang="0">
+                <a:pos x="connsiteX1" y="connsiteY1"/>
+              </a:cxn>
+              <a:cxn ang="0">
+                <a:pos x="connsiteX2" y="connsiteY2"/>
+              </a:cxn>
+              <a:cxn ang="0">
+                <a:pos x="connsiteX3" y="connsiteY3"/>
+              </a:cxn>
+            </a:cxnLst>
+            <a:rect l="l" t="t" r="r" b="b"/>
+            <a:pathLst>
+              <a:path w="604789" h="485051">
+                <a:moveTo>
+                  <a:pt x="6438" y="422042"/>
+                </a:moveTo>
+                <a:cubicBezTo>
+                  <a:pt x="-42799" y="349359"/>
+                  <a:pt x="203385" y="-2333"/>
+                  <a:pt x="301859" y="11"/>
+                </a:cubicBezTo>
+                <a:cubicBezTo>
+                  <a:pt x="400333" y="2355"/>
+                  <a:pt x="651207" y="361081"/>
+                  <a:pt x="597281" y="436109"/>
+                </a:cubicBezTo>
+                <a:cubicBezTo>
+                  <a:pt x="543355" y="511137"/>
+                  <a:pt x="55675" y="494725"/>
+                  <a:pt x="6438" y="422042"/>
+                </a:cubicBezTo>
+                <a:close/>
+              </a:path>
+            </a:pathLst>
+          </a:custGeom>
+          <a:solidFill>
+            <a:srgbClr val="FF0000"/>
+          </a:solidFill>
+          <a:ln w="57150">
+            <a:solidFill>
+              <a:schemeClr val="tx1"/>
+            </a:solidFill>
+          </a:ln>
+        </p:spPr>
+        <p:style>
+          <a:lnRef idx="2">
+            <a:schemeClr val="accent1">
+              <a:shade val="50000"/>
+            </a:schemeClr>
+          </a:lnRef>
+          <a:fillRef idx="1">
+            <a:schemeClr val="accent1"/>
+          </a:fillRef>
+          <a:effectRef idx="0">
+            <a:schemeClr val="accent1"/>
+          </a:effectRef>
+          <a:fontRef idx="minor">
+            <a:schemeClr val="lt1"/>
+          </a:fontRef>
+        </p:style>
+        <p:txBody>
+          <a:bodyPr rtlCol="0" anchor="ctr"/>
+          <a:lstStyle/>
+          <a:p>
+            <a:pPr algn="ctr"/>
+            <a:r>
+              <a:rPr lang="en-US" sz="3200" b="1" dirty="0" smtClean="0">
+                <a:solidFill>
+                  <a:schemeClr val="tx1"/>
+                </a:solidFill>
+              </a:rPr>
+              <a:t>!</a:t>
+            </a:r>
+            <a:endParaRPr lang="en-US" sz="2000" b="1" dirty="0">
+              <a:solidFill>
+                <a:schemeClr val="tx1"/>
+              </a:solidFill>
             </a:endParaRPr>
           </a:p>
         </p:txBody>
@@ -4984,7 +4971,7 @@
     </p:spTree>
     <p:extLst>
       <p:ext uri="{BB962C8B-B14F-4D97-AF65-F5344CB8AC3E}">
-        <p14:creationId xmlns:p14="http://schemas.microsoft.com/office/powerpoint/2010/main" val="1888006845"/>
+        <p14:creationId xmlns:p14="http://schemas.microsoft.com/office/powerpoint/2010/main" val="1690260144"/>
       </p:ext>
     </p:extLst>
   </p:cSld>
@@ -4994,9 +4981,83 @@
   <p:timing>
     <p:tnLst>
       <p:par>
-        <p:cTn id="1" dur="indefinite" restart="never" nodeType="tmRoot"/>
+        <p:cTn id="1" dur="indefinite" restart="never" nodeType="tmRoot">
+          <p:childTnLst>
+            <p:seq concurrent="1" nextAc="seek">
+              <p:cTn id="2" dur="indefinite" nodeType="mainSeq">
+                <p:childTnLst>
+                  <p:par>
+                    <p:cTn id="3" fill="hold">
+                      <p:stCondLst>
+                        <p:cond delay="indefinite"/>
+                        <p:cond evt="onBegin" delay="0">
+                          <p:tn val="2"/>
+                        </p:cond>
+                      </p:stCondLst>
+                      <p:childTnLst>
+                        <p:par>
+                          <p:cTn id="4" fill="hold">
+                            <p:stCondLst>
+                              <p:cond delay="0"/>
+                            </p:stCondLst>
+                            <p:childTnLst>
+                              <p:par>
+                                <p:cTn id="5" presetID="1" presetClass="entr" presetSubtype="0" fill="hold" grpId="0" nodeType="withEffect">
+                                  <p:stCondLst>
+                                    <p:cond delay="0"/>
+                                  </p:stCondLst>
+                                  <p:childTnLst>
+                                    <p:set>
+                                      <p:cBhvr>
+                                        <p:cTn id="6" dur="1" fill="hold">
+                                          <p:stCondLst>
+                                            <p:cond delay="0"/>
+                                          </p:stCondLst>
+                                        </p:cTn>
+                                        <p:tgtEl>
+                                          <p:spTgt spid="4"/>
+                                        </p:tgtEl>
+                                        <p:attrNameLst>
+                                          <p:attrName>style.visibility</p:attrName>
+                                        </p:attrNameLst>
+                                      </p:cBhvr>
+                                      <p:to>
+                                        <p:strVal val="visible"/>
+                                      </p:to>
+                                    </p:set>
+                                  </p:childTnLst>
+                                </p:cTn>
+                              </p:par>
+                            </p:childTnLst>
+                          </p:cTn>
+                        </p:par>
+                      </p:childTnLst>
+                    </p:cTn>
+                  </p:par>
+                </p:childTnLst>
+              </p:cTn>
+              <p:prevCondLst>
+                <p:cond evt="onPrev" delay="0">
+                  <p:tgtEl>
+                    <p:sldTgt/>
+                  </p:tgtEl>
+                </p:cond>
+              </p:prevCondLst>
+              <p:nextCondLst>
+                <p:cond evt="onNext" delay="0">
+                  <p:tgtEl>
+                    <p:sldTgt/>
+                  </p:tgtEl>
+                </p:cond>
+              </p:nextCondLst>
+            </p:seq>
+          </p:childTnLst>
+        </p:cTn>
       </p:par>
     </p:tnLst>
+    <p:bldLst>
+      <p:bldP spid="4" grpId="0" animBg="1"/>
+    </p:bldLst>
   </p:timing>
 </p:sld>
 </file>
@@ -5035,7 +5096,7 @@
           <a:p>
             <a:r>
               <a:rPr lang="en-US" dirty="0" smtClean="0"/>
-              <a:t>String library functions</a:t>
+              <a:t>String manipulation</a:t>
             </a:r>
             <a:endParaRPr lang="en-US" dirty="0"/>
           </a:p>
@@ -5058,34 +5119,236 @@
           <a:p>
             <a:r>
               <a:rPr lang="en-US" dirty="0" smtClean="0"/>
-              <a:t>Since these operations like copying and concatenating strings are very common, it would be nice to have a way to do that, even though C doesn’t support it.</a:t>
-            </a:r>
-          </a:p>
-          <a:p>
-            <a:r>
-              <a:rPr lang="en-US" dirty="0" smtClean="0"/>
-              <a:t>We could write our own functions to do that and then copy them into our program every time we wanted to use them.</a:t>
-            </a:r>
-          </a:p>
-          <a:p>
-            <a:r>
-              <a:rPr lang="en-US" dirty="0" smtClean="0"/>
-              <a:t>The C language does that for us. There are a bunch of functions in the C standard library that do exactly this. </a:t>
-            </a:r>
-            <a:endParaRPr lang="en-US" dirty="0"/>
-          </a:p>
-          <a:p>
-            <a:r>
-              <a:rPr lang="en-US" dirty="0" smtClean="0"/>
-              <a:t>The C reference book has several, we look at only a few:</a:t>
-            </a:r>
+              <a:t>Little exercise:</a:t>
+            </a:r>
+          </a:p>
+          <a:p>
+            <a:pPr lvl="1"/>
+            <a:r>
+              <a:rPr lang="en-US" dirty="0" smtClean="0"/>
+              <a:t>Define three arrays   </a:t>
+            </a:r>
+            <a:r>
+              <a:rPr lang="en-US" b="1" dirty="0" smtClean="0">
+                <a:latin typeface="Courier New" panose="02070309020205020404" pitchFamily="49" charset="0"/>
+                <a:cs typeface="Courier New" panose="02070309020205020404" pitchFamily="49" charset="0"/>
+              </a:rPr>
+              <a:t>a, b </a:t>
+            </a:r>
+            <a:r>
+              <a:rPr lang="en-US" dirty="0" smtClean="0"/>
+              <a:t>and</a:t>
+            </a:r>
+            <a:r>
+              <a:rPr lang="en-US" b="1" dirty="0" smtClean="0">
+                <a:latin typeface="Courier New" panose="02070309020205020404" pitchFamily="49" charset="0"/>
+                <a:cs typeface="Courier New" panose="02070309020205020404" pitchFamily="49" charset="0"/>
+              </a:rPr>
+              <a:t> c  </a:t>
+            </a:r>
+            <a:r>
+              <a:rPr lang="en-US" dirty="0" smtClean="0"/>
+              <a:t>to hold strings, </a:t>
+            </a:r>
+            <a:r>
+              <a:rPr lang="en-US" i="1" dirty="0" smtClean="0"/>
+              <a:t>make them large enough</a:t>
+            </a:r>
+            <a:r>
+              <a:rPr lang="en-US" dirty="0" smtClean="0"/>
+              <a:t>. Initialize a and b to “hello” and “world” respectively.</a:t>
+            </a:r>
+          </a:p>
+          <a:p>
+            <a:pPr marL="914400" lvl="1" indent="-457200">
+              <a:buFont typeface="+mj-lt"/>
+              <a:buAutoNum type="arabicPeriod"/>
+            </a:pPr>
+            <a:r>
+              <a:rPr lang="en-US" dirty="0" smtClean="0"/>
+              <a:t>Can you copy  </a:t>
+            </a:r>
+            <a:r>
+              <a:rPr lang="en-US" b="1" dirty="0" smtClean="0">
+                <a:latin typeface="Courier New" panose="02070309020205020404" pitchFamily="49" charset="0"/>
+                <a:cs typeface="Courier New" panose="02070309020205020404" pitchFamily="49" charset="0"/>
+              </a:rPr>
+              <a:t>a </a:t>
+            </a:r>
+            <a:r>
+              <a:rPr lang="en-US" dirty="0" smtClean="0"/>
+              <a:t>  to  </a:t>
+            </a:r>
+            <a:r>
+              <a:rPr lang="en-US" b="1" dirty="0">
+                <a:latin typeface="Courier New" panose="02070309020205020404" pitchFamily="49" charset="0"/>
+                <a:cs typeface="Courier New" panose="02070309020205020404" pitchFamily="49" charset="0"/>
+              </a:rPr>
+              <a:t> c  </a:t>
+            </a:r>
+            <a:r>
+              <a:rPr lang="en-US" dirty="0" smtClean="0"/>
+              <a:t>to make string </a:t>
+            </a:r>
+            <a:r>
+              <a:rPr lang="en-US" b="1" dirty="0">
+                <a:latin typeface="Courier New" panose="02070309020205020404" pitchFamily="49" charset="0"/>
+                <a:cs typeface="Courier New" panose="02070309020205020404" pitchFamily="49" charset="0"/>
+              </a:rPr>
+              <a:t> c </a:t>
+            </a:r>
+            <a:r>
+              <a:rPr lang="en-US" dirty="0" smtClean="0"/>
+              <a:t>and string  </a:t>
+            </a:r>
+            <a:r>
+              <a:rPr lang="en-US" b="1" dirty="0" smtClean="0">
+                <a:latin typeface="Courier New" panose="02070309020205020404" pitchFamily="49" charset="0"/>
+                <a:cs typeface="Courier New" panose="02070309020205020404" pitchFamily="49" charset="0"/>
+              </a:rPr>
+              <a:t>a</a:t>
+            </a:r>
+            <a:r>
+              <a:rPr lang="en-US" dirty="0" smtClean="0"/>
+              <a:t>  the same?</a:t>
+            </a:r>
+          </a:p>
+          <a:p>
+            <a:pPr marL="914400" lvl="1" indent="-457200">
+              <a:buFont typeface="+mj-lt"/>
+              <a:buAutoNum type="arabicPeriod"/>
+            </a:pPr>
+            <a:r>
+              <a:rPr lang="en-US" dirty="0" smtClean="0"/>
+              <a:t>Can you copy string   </a:t>
+            </a:r>
+            <a:r>
+              <a:rPr lang="en-US" b="1" dirty="0" smtClean="0">
+                <a:latin typeface="Courier New" panose="02070309020205020404" pitchFamily="49" charset="0"/>
+                <a:cs typeface="Courier New" panose="02070309020205020404" pitchFamily="49" charset="0"/>
+              </a:rPr>
+              <a:t>b </a:t>
+            </a:r>
+            <a:r>
+              <a:rPr lang="en-US" dirty="0" smtClean="0"/>
+              <a:t> to the end of string  </a:t>
+            </a:r>
+            <a:r>
+              <a:rPr lang="en-US" b="1" dirty="0" smtClean="0">
+                <a:latin typeface="Courier New" panose="02070309020205020404" pitchFamily="49" charset="0"/>
+                <a:cs typeface="Courier New" panose="02070309020205020404" pitchFamily="49" charset="0"/>
+              </a:rPr>
+              <a:t>a</a:t>
+            </a:r>
+            <a:r>
+              <a:rPr lang="en-US" dirty="0" smtClean="0"/>
+              <a:t>  so that  </a:t>
+            </a:r>
+            <a:r>
+              <a:rPr lang="en-US" b="1" dirty="0" smtClean="0">
+                <a:latin typeface="Courier New" panose="02070309020205020404" pitchFamily="49" charset="0"/>
+                <a:cs typeface="Courier New" panose="02070309020205020404" pitchFamily="49" charset="0"/>
+              </a:rPr>
+              <a:t>a</a:t>
+            </a:r>
+            <a:r>
+              <a:rPr lang="en-US" dirty="0" smtClean="0"/>
+              <a:t>   is now the concatenation of the original   </a:t>
+            </a:r>
+            <a:r>
+              <a:rPr lang="en-US" b="1" dirty="0" smtClean="0">
+                <a:latin typeface="Courier New" panose="02070309020205020404" pitchFamily="49" charset="0"/>
+                <a:cs typeface="Courier New" panose="02070309020205020404" pitchFamily="49" charset="0"/>
+              </a:rPr>
+              <a:t>a  </a:t>
+            </a:r>
+            <a:r>
+              <a:rPr lang="en-US" dirty="0" smtClean="0"/>
+              <a:t>followed by    </a:t>
+            </a:r>
+            <a:r>
+              <a:rPr lang="en-US" b="1" dirty="0" smtClean="0">
+                <a:latin typeface="Courier New" panose="02070309020205020404" pitchFamily="49" charset="0"/>
+                <a:cs typeface="Courier New" panose="02070309020205020404" pitchFamily="49" charset="0"/>
+              </a:rPr>
+              <a:t>b</a:t>
+            </a:r>
+            <a:r>
+              <a:rPr lang="en-US" b="1" dirty="0" smtClean="0"/>
+              <a:t> </a:t>
+            </a:r>
+            <a:r>
+              <a:rPr lang="en-US" dirty="0" smtClean="0"/>
+              <a:t>?</a:t>
+            </a:r>
+          </a:p>
+          <a:p>
+            <a:pPr lvl="1"/>
+            <a:r>
+              <a:rPr lang="en-US" dirty="0" smtClean="0"/>
+              <a:t>We need this because we </a:t>
+            </a:r>
+            <a:r>
+              <a:rPr lang="en-US" b="1" u="sng" dirty="0" smtClean="0">
+                <a:solidFill>
+                  <a:srgbClr val="FF0000"/>
+                </a:solidFill>
+              </a:rPr>
+              <a:t>do not </a:t>
+            </a:r>
+            <a:r>
+              <a:rPr lang="en-US" dirty="0" smtClean="0"/>
+              <a:t>have something like</a:t>
+            </a:r>
+            <a:br>
+              <a:rPr lang="en-US" dirty="0" smtClean="0"/>
+            </a:br>
+            <a:r>
+              <a:rPr lang="en-US" dirty="0" smtClean="0"/>
+              <a:t>         </a:t>
+            </a:r>
+            <a:r>
+              <a:rPr lang="en-US" dirty="0" smtClean="0">
+                <a:latin typeface="Courier New" panose="02070309020205020404" pitchFamily="49" charset="0"/>
+                <a:cs typeface="Courier New" panose="02070309020205020404" pitchFamily="49" charset="0"/>
+              </a:rPr>
+              <a:t>c = a;  </a:t>
+            </a:r>
+            <a:r>
+              <a:rPr lang="en-US" dirty="0" smtClean="0"/>
+              <a:t>or </a:t>
+            </a:r>
+            <a:r>
+              <a:rPr lang="en-US" dirty="0" smtClean="0">
+                <a:latin typeface="Courier New" panose="02070309020205020404" pitchFamily="49" charset="0"/>
+                <a:cs typeface="Courier New" panose="02070309020205020404" pitchFamily="49" charset="0"/>
+              </a:rPr>
+              <a:t>a = a + b;     </a:t>
+            </a:r>
+            <a:r>
+              <a:rPr lang="en-US" sz="4000" b="1" dirty="0" smtClean="0">
+                <a:solidFill>
+                  <a:srgbClr val="FF0000"/>
+                </a:solidFill>
+                <a:latin typeface="Courier New" panose="02070309020205020404" pitchFamily="49" charset="0"/>
+                <a:cs typeface="Courier New" panose="02070309020205020404" pitchFamily="49" charset="0"/>
+              </a:rPr>
+              <a:t> X</a:t>
+            </a:r>
+            <a:endParaRPr lang="en-US" sz="4000" b="1" dirty="0">
+              <a:solidFill>
+                <a:srgbClr val="FF0000"/>
+              </a:solidFill>
+              <a:latin typeface="Courier New" panose="02070309020205020404" pitchFamily="49" charset="0"/>
+              <a:cs typeface="Courier New" panose="02070309020205020404" pitchFamily="49" charset="0"/>
+            </a:endParaRPr>
           </a:p>
         </p:txBody>
       </p:sp>
     </p:spTree>
     <p:extLst>
       <p:ext uri="{BB962C8B-B14F-4D97-AF65-F5344CB8AC3E}">
-        <p14:creationId xmlns:p14="http://schemas.microsoft.com/office/powerpoint/2010/main" val="2385750990"/>
+        <p14:creationId xmlns:p14="http://schemas.microsoft.com/office/powerpoint/2010/main" val="1888006845"/>
       </p:ext>
     </p:extLst>
   </p:cSld>
@@ -5136,6 +5399,107 @@
           <a:p>
             <a:r>
               <a:rPr lang="en-US" dirty="0" smtClean="0"/>
+              <a:t>String library functions</a:t>
+            </a:r>
+            <a:endParaRPr lang="en-US" dirty="0"/>
+          </a:p>
+        </p:txBody>
+      </p:sp>
+      <p:sp>
+        <p:nvSpPr>
+          <p:cNvPr id="3" name="Content Placeholder 2"/>
+          <p:cNvSpPr>
+            <a:spLocks noGrp="1"/>
+          </p:cNvSpPr>
+          <p:nvPr>
+            <p:ph idx="1"/>
+          </p:nvPr>
+        </p:nvSpPr>
+        <p:spPr/>
+        <p:txBody>
+          <a:bodyPr/>
+          <a:lstStyle/>
+          <a:p>
+            <a:r>
+              <a:rPr lang="en-US" dirty="0" smtClean="0"/>
+              <a:t>Since these operations like copying and concatenating strings are very common, it would be nice to have a way to do that, even though C doesn’t support it.</a:t>
+            </a:r>
+          </a:p>
+          <a:p>
+            <a:r>
+              <a:rPr lang="en-US" dirty="0" smtClean="0"/>
+              <a:t>We could write our own functions to do that and then copy them into our program every time we wanted to use them.</a:t>
+            </a:r>
+          </a:p>
+          <a:p>
+            <a:r>
+              <a:rPr lang="en-US" dirty="0" smtClean="0"/>
+              <a:t>The C language does that for us. There are a bunch of functions in the C standard library that do exactly this. </a:t>
+            </a:r>
+            <a:endParaRPr lang="en-US" dirty="0"/>
+          </a:p>
+          <a:p>
+            <a:r>
+              <a:rPr lang="en-US" dirty="0" smtClean="0"/>
+              <a:t>The C reference book has several, we look at only a few:</a:t>
+            </a:r>
+          </a:p>
+        </p:txBody>
+      </p:sp>
+    </p:spTree>
+    <p:extLst>
+      <p:ext uri="{BB962C8B-B14F-4D97-AF65-F5344CB8AC3E}">
+        <p14:creationId xmlns:p14="http://schemas.microsoft.com/office/powerpoint/2010/main" val="2385750990"/>
+      </p:ext>
+    </p:extLst>
+  </p:cSld>
+  <p:clrMapOvr>
+    <a:masterClrMapping/>
+  </p:clrMapOvr>
+  <p:timing>
+    <p:tnLst>
+      <p:par>
+        <p:cTn id="1" dur="indefinite" restart="never" nodeType="tmRoot"/>
+      </p:par>
+    </p:tnLst>
+  </p:timing>
+</p:sld>
+</file>
+
+<file path=ppt/slides/slide17.xml><?xml version="1.0" encoding="utf-8"?>
+<p:sld xmlns:a="http://schemas.openxmlformats.org/drawingml/2006/main" xmlns:r="http://schemas.openxmlformats.org/officeDocument/2006/relationships" xmlns:p="http://schemas.openxmlformats.org/presentationml/2006/main">
+  <p:cSld>
+    <p:spTree>
+      <p:nvGrpSpPr>
+        <p:cNvPr id="1" name=""/>
+        <p:cNvGrpSpPr/>
+        <p:nvPr/>
+      </p:nvGrpSpPr>
+      <p:grpSpPr>
+        <a:xfrm>
+          <a:off x="0" y="0"/>
+          <a:ext cx="0" cy="0"/>
+          <a:chOff x="0" y="0"/>
+          <a:chExt cx="0" cy="0"/>
+        </a:xfrm>
+      </p:grpSpPr>
+      <p:sp>
+        <p:nvSpPr>
+          <p:cNvPr id="2" name="Title 1"/>
+          <p:cNvSpPr>
+            <a:spLocks noGrp="1"/>
+          </p:cNvSpPr>
+          <p:nvPr>
+            <p:ph type="title"/>
+          </p:nvPr>
+        </p:nvSpPr>
+        <p:spPr/>
+        <p:txBody>
+          <a:bodyPr/>
+          <a:lstStyle/>
+          <a:p>
+            <a:r>
+              <a:rPr lang="en-US" dirty="0" smtClean="0"/>
               <a:t>String library functions – their prototypes (</a:t>
             </a:r>
             <a:r>
@@ -5168,54 +5532,54 @@
         </p:spPr>
         <p:txBody>
           <a:bodyPr>
-            <a:normAutofit fontScale="92500" lnSpcReduction="20000"/>
+            <a:normAutofit fontScale="70000" lnSpcReduction="20000"/>
           </a:bodyPr>
           <a:lstStyle/>
           <a:p>
             <a:r>
-              <a:rPr lang="en-US" sz="2400" dirty="0" smtClean="0">
+              <a:rPr lang="en-US" sz="2400" b="1" dirty="0" smtClean="0">
                 <a:latin typeface="Courier New" panose="02070309020205020404" pitchFamily="49" charset="0"/>
                 <a:cs typeface="Courier New" panose="02070309020205020404" pitchFamily="49" charset="0"/>
               </a:rPr>
               <a:t>char * </a:t>
             </a:r>
             <a:r>
-              <a:rPr lang="en-US" sz="2400" dirty="0" err="1" smtClean="0">
+              <a:rPr lang="en-US" sz="2400" b="1" dirty="0" err="1" smtClean="0">
                 <a:latin typeface="Courier New" panose="02070309020205020404" pitchFamily="49" charset="0"/>
                 <a:cs typeface="Courier New" panose="02070309020205020404" pitchFamily="49" charset="0"/>
               </a:rPr>
               <a:t>strcpy</a:t>
             </a:r>
             <a:r>
-              <a:rPr lang="en-US" sz="2400" dirty="0" smtClean="0">
+              <a:rPr lang="en-US" sz="2400" b="1" dirty="0" smtClean="0">
                 <a:latin typeface="Courier New" panose="02070309020205020404" pitchFamily="49" charset="0"/>
                 <a:cs typeface="Courier New" panose="02070309020205020404" pitchFamily="49" charset="0"/>
               </a:rPr>
               <a:t>(char </a:t>
             </a:r>
             <a:r>
-              <a:rPr lang="en-US" sz="2400" dirty="0" err="1" smtClean="0">
+              <a:rPr lang="en-US" sz="2400" b="1" dirty="0" err="1" smtClean="0">
                 <a:latin typeface="Courier New" panose="02070309020205020404" pitchFamily="49" charset="0"/>
                 <a:cs typeface="Courier New" panose="02070309020205020404" pitchFamily="49" charset="0"/>
               </a:rPr>
               <a:t>dest</a:t>
             </a:r>
             <a:r>
-              <a:rPr lang="en-US" sz="2400" dirty="0" smtClean="0">
+              <a:rPr lang="en-US" sz="2400" b="1" dirty="0" smtClean="0">
                 <a:latin typeface="Courier New" panose="02070309020205020404" pitchFamily="49" charset="0"/>
                 <a:cs typeface="Courier New" panose="02070309020205020404" pitchFamily="49" charset="0"/>
               </a:rPr>
               <a:t>[ ] , char </a:t>
             </a:r>
             <a:r>
-              <a:rPr lang="en-US" sz="2400" dirty="0" err="1" smtClean="0">
+              <a:rPr lang="en-US" sz="2400" b="1" dirty="0" err="1" smtClean="0">
                 <a:latin typeface="Courier New" panose="02070309020205020404" pitchFamily="49" charset="0"/>
                 <a:cs typeface="Courier New" panose="02070309020205020404" pitchFamily="49" charset="0"/>
               </a:rPr>
               <a:t>src</a:t>
             </a:r>
             <a:r>
-              <a:rPr lang="en-US" sz="2400" dirty="0" smtClean="0">
+              <a:rPr lang="en-US" sz="2400" b="1" dirty="0" smtClean="0">
                 <a:latin typeface="Courier New" panose="02070309020205020404" pitchFamily="49" charset="0"/>
                 <a:cs typeface="Courier New" panose="02070309020205020404" pitchFamily="49" charset="0"/>
               </a:rPr>
@@ -5328,6 +5692,88 @@
           <a:p>
             <a:pPr lvl="0"/>
             <a:r>
+              <a:rPr lang="fr-FR" sz="2400" b="1" dirty="0">
+                <a:solidFill>
+                  <a:prstClr val="black"/>
+                </a:solidFill>
+                <a:latin typeface="Courier New" panose="02070309020205020404" pitchFamily="49" charset="0"/>
+                <a:cs typeface="Courier New" panose="02070309020205020404" pitchFamily="49" charset="0"/>
+              </a:rPr>
+              <a:t>char </a:t>
+            </a:r>
+            <a:r>
+              <a:rPr lang="fr-FR" sz="2400" b="1" dirty="0" smtClean="0">
+                <a:solidFill>
+                  <a:prstClr val="black"/>
+                </a:solidFill>
+                <a:latin typeface="Courier New" panose="02070309020205020404" pitchFamily="49" charset="0"/>
+                <a:cs typeface="Courier New" panose="02070309020205020404" pitchFamily="49" charset="0"/>
+              </a:rPr>
+              <a:t>* </a:t>
+            </a:r>
+            <a:r>
+              <a:rPr lang="fr-FR" sz="2400" b="1" dirty="0" err="1" smtClean="0">
+                <a:solidFill>
+                  <a:prstClr val="black"/>
+                </a:solidFill>
+                <a:latin typeface="Courier New" panose="02070309020205020404" pitchFamily="49" charset="0"/>
+                <a:cs typeface="Courier New" panose="02070309020205020404" pitchFamily="49" charset="0"/>
+              </a:rPr>
+              <a:t>strcat</a:t>
+            </a:r>
+            <a:r>
+              <a:rPr lang="fr-FR" sz="2400" b="1" dirty="0" smtClean="0">
+                <a:solidFill>
+                  <a:prstClr val="black"/>
+                </a:solidFill>
+                <a:latin typeface="Courier New" panose="02070309020205020404" pitchFamily="49" charset="0"/>
+                <a:cs typeface="Courier New" panose="02070309020205020404" pitchFamily="49" charset="0"/>
+              </a:rPr>
+              <a:t>(char </a:t>
+            </a:r>
+            <a:r>
+              <a:rPr lang="fr-FR" sz="2400" b="1" dirty="0" err="1" smtClean="0">
+                <a:solidFill>
+                  <a:prstClr val="black"/>
+                </a:solidFill>
+                <a:latin typeface="Courier New" panose="02070309020205020404" pitchFamily="49" charset="0"/>
+                <a:cs typeface="Courier New" panose="02070309020205020404" pitchFamily="49" charset="0"/>
+              </a:rPr>
+              <a:t>dest</a:t>
+            </a:r>
+            <a:r>
+              <a:rPr lang="fr-FR" sz="2400" b="1" dirty="0" smtClean="0">
+                <a:solidFill>
+                  <a:prstClr val="black"/>
+                </a:solidFill>
+                <a:latin typeface="Courier New" panose="02070309020205020404" pitchFamily="49" charset="0"/>
+                <a:cs typeface="Courier New" panose="02070309020205020404" pitchFamily="49" charset="0"/>
+              </a:rPr>
+              <a:t>[ ], char </a:t>
+            </a:r>
+            <a:r>
+              <a:rPr lang="fr-FR" sz="2400" b="1" dirty="0" err="1" smtClean="0">
+                <a:solidFill>
+                  <a:prstClr val="black"/>
+                </a:solidFill>
+                <a:latin typeface="Courier New" panose="02070309020205020404" pitchFamily="49" charset="0"/>
+                <a:cs typeface="Courier New" panose="02070309020205020404" pitchFamily="49" charset="0"/>
+              </a:rPr>
+              <a:t>src</a:t>
+            </a:r>
+            <a:r>
+              <a:rPr lang="fr-FR" sz="2400" b="1" dirty="0" smtClean="0">
+                <a:solidFill>
+                  <a:prstClr val="black"/>
+                </a:solidFill>
+                <a:latin typeface="Courier New" panose="02070309020205020404" pitchFamily="49" charset="0"/>
+                <a:cs typeface="Courier New" panose="02070309020205020404" pitchFamily="49" charset="0"/>
+              </a:rPr>
+              <a:t>[ ]);</a:t>
+            </a:r>
+          </a:p>
+          <a:p>
+            <a:r>
               <a:rPr lang="fr-FR" sz="2400" dirty="0">
                 <a:solidFill>
                   <a:prstClr val="black"/>
@@ -5335,7 +5781,17 @@
                 <a:latin typeface="Courier New" panose="02070309020205020404" pitchFamily="49" charset="0"/>
                 <a:cs typeface="Courier New" panose="02070309020205020404" pitchFamily="49" charset="0"/>
               </a:rPr>
-              <a:t>char </a:t>
+              <a:t>char * </a:t>
+            </a:r>
+            <a:r>
+              <a:rPr lang="fr-FR" sz="2400" dirty="0" err="1" smtClean="0">
+                <a:solidFill>
+                  <a:prstClr val="black"/>
+                </a:solidFill>
+                <a:latin typeface="Courier New" panose="02070309020205020404" pitchFamily="49" charset="0"/>
+                <a:cs typeface="Courier New" panose="02070309020205020404" pitchFamily="49" charset="0"/>
+              </a:rPr>
+              <a:t>strncat</a:t>
             </a:r>
             <a:r>
               <a:rPr lang="fr-FR" sz="2400" dirty="0" smtClean="0">
@@ -5345,7 +5801,57 @@
                 <a:latin typeface="Courier New" panose="02070309020205020404" pitchFamily="49" charset="0"/>
                 <a:cs typeface="Courier New" panose="02070309020205020404" pitchFamily="49" charset="0"/>
               </a:rPr>
-              <a:t>* </a:t>
+              <a:t>(char </a:t>
+            </a:r>
+            <a:r>
+              <a:rPr lang="fr-FR" sz="2400" dirty="0" err="1">
+                <a:solidFill>
+                  <a:prstClr val="black"/>
+                </a:solidFill>
+                <a:latin typeface="Courier New" panose="02070309020205020404" pitchFamily="49" charset="0"/>
+                <a:cs typeface="Courier New" panose="02070309020205020404" pitchFamily="49" charset="0"/>
+              </a:rPr>
+              <a:t>dest</a:t>
+            </a:r>
+            <a:r>
+              <a:rPr lang="fr-FR" sz="2400" dirty="0">
+                <a:solidFill>
+                  <a:prstClr val="black"/>
+                </a:solidFill>
+                <a:latin typeface="Courier New" panose="02070309020205020404" pitchFamily="49" charset="0"/>
+                <a:cs typeface="Courier New" panose="02070309020205020404" pitchFamily="49" charset="0"/>
+              </a:rPr>
+              <a:t>[ ], char </a:t>
+            </a:r>
+            <a:r>
+              <a:rPr lang="fr-FR" sz="2400" dirty="0" err="1">
+                <a:solidFill>
+                  <a:prstClr val="black"/>
+                </a:solidFill>
+                <a:latin typeface="Courier New" panose="02070309020205020404" pitchFamily="49" charset="0"/>
+                <a:cs typeface="Courier New" panose="02070309020205020404" pitchFamily="49" charset="0"/>
+              </a:rPr>
+              <a:t>src</a:t>
+            </a:r>
+            <a:r>
+              <a:rPr lang="fr-FR" sz="2400" dirty="0">
+                <a:solidFill>
+                  <a:prstClr val="black"/>
+                </a:solidFill>
+                <a:latin typeface="Courier New" panose="02070309020205020404" pitchFamily="49" charset="0"/>
+                <a:cs typeface="Courier New" panose="02070309020205020404" pitchFamily="49" charset="0"/>
+              </a:rPr>
+              <a:t>[ </a:t>
+            </a:r>
+            <a:r>
+              <a:rPr lang="fr-FR" sz="2400" dirty="0" smtClean="0">
+                <a:solidFill>
+                  <a:prstClr val="black"/>
+                </a:solidFill>
+                <a:latin typeface="Courier New" panose="02070309020205020404" pitchFamily="49" charset="0"/>
+                <a:cs typeface="Courier New" panose="02070309020205020404" pitchFamily="49" charset="0"/>
+              </a:rPr>
+              <a:t>], </a:t>
             </a:r>
             <a:r>
               <a:rPr lang="fr-FR" sz="2400" dirty="0" err="1" smtClean="0">
@@ -5355,7 +5861,7 @@
                 <a:latin typeface="Courier New" panose="02070309020205020404" pitchFamily="49" charset="0"/>
                 <a:cs typeface="Courier New" panose="02070309020205020404" pitchFamily="49" charset="0"/>
               </a:rPr>
-              <a:t>strcat</a:t>
+              <a:t>int</a:t>
             </a:r>
             <a:r>
               <a:rPr lang="fr-FR" sz="2400" dirty="0" smtClean="0">
@@ -5365,151 +5871,51 @@
                 <a:latin typeface="Courier New" panose="02070309020205020404" pitchFamily="49" charset="0"/>
                 <a:cs typeface="Courier New" panose="02070309020205020404" pitchFamily="49" charset="0"/>
               </a:rPr>
-              <a:t>(char </a:t>
-            </a:r>
-            <a:r>
-              <a:rPr lang="fr-FR" sz="2400" dirty="0" err="1" smtClean="0">
+              <a:t> n);</a:t>
+            </a:r>
+          </a:p>
+          <a:p>
+            <a:r>
+              <a:rPr lang="fr-FR" sz="2400" b="1" dirty="0" err="1" smtClean="0">
                 <a:solidFill>
                   <a:prstClr val="black"/>
                 </a:solidFill>
                 <a:latin typeface="Courier New" panose="02070309020205020404" pitchFamily="49" charset="0"/>
                 <a:cs typeface="Courier New" panose="02070309020205020404" pitchFamily="49" charset="0"/>
               </a:rPr>
-              <a:t>dest</a:t>
-            </a:r>
-            <a:r>
-              <a:rPr lang="fr-FR" sz="2400" dirty="0" smtClean="0">
+              <a:t>int</a:t>
+            </a:r>
+            <a:r>
+              <a:rPr lang="fr-FR" sz="2400" b="1" dirty="0" smtClean="0">
                 <a:solidFill>
                   <a:prstClr val="black"/>
                 </a:solidFill>
                 <a:latin typeface="Courier New" panose="02070309020205020404" pitchFamily="49" charset="0"/>
                 <a:cs typeface="Courier New" panose="02070309020205020404" pitchFamily="49" charset="0"/>
               </a:rPr>
-              <a:t>[ ], char </a:t>
-            </a:r>
-            <a:r>
-              <a:rPr lang="fr-FR" sz="2400" dirty="0" err="1" smtClean="0">
+              <a:t>  </a:t>
+            </a:r>
+            <a:r>
+              <a:rPr lang="fr-FR" sz="2400" b="1" dirty="0" err="1" smtClean="0">
                 <a:solidFill>
                   <a:prstClr val="black"/>
                 </a:solidFill>
                 <a:latin typeface="Courier New" panose="02070309020205020404" pitchFamily="49" charset="0"/>
                 <a:cs typeface="Courier New" panose="02070309020205020404" pitchFamily="49" charset="0"/>
               </a:rPr>
-              <a:t>src</a:t>
-            </a:r>
-            <a:r>
-              <a:rPr lang="fr-FR" sz="2400" dirty="0" smtClean="0">
+              <a:t>strcmp</a:t>
+            </a:r>
+            <a:r>
+              <a:rPr lang="fr-FR" sz="2400" b="1" dirty="0" smtClean="0">
                 <a:solidFill>
                   <a:prstClr val="black"/>
                 </a:solidFill>
                 <a:latin typeface="Courier New" panose="02070309020205020404" pitchFamily="49" charset="0"/>
                 <a:cs typeface="Courier New" panose="02070309020205020404" pitchFamily="49" charset="0"/>
               </a:rPr>
-              <a:t>[ ]);</a:t>
-            </a:r>
-          </a:p>
-          <a:p>
-            <a:r>
-              <a:rPr lang="fr-FR" sz="2400" dirty="0">
-                <a:solidFill>
-                  <a:prstClr val="black"/>
-                </a:solidFill>
-                <a:latin typeface="Courier New" panose="02070309020205020404" pitchFamily="49" charset="0"/>
-                <a:cs typeface="Courier New" panose="02070309020205020404" pitchFamily="49" charset="0"/>
-              </a:rPr>
-              <a:t>char * </a:t>
-            </a:r>
-            <a:r>
-              <a:rPr lang="fr-FR" sz="2400" dirty="0" err="1" smtClean="0">
-                <a:solidFill>
-                  <a:prstClr val="black"/>
-                </a:solidFill>
-                <a:latin typeface="Courier New" panose="02070309020205020404" pitchFamily="49" charset="0"/>
-                <a:cs typeface="Courier New" panose="02070309020205020404" pitchFamily="49" charset="0"/>
-              </a:rPr>
-              <a:t>strncat</a:t>
-            </a:r>
-            <a:r>
-              <a:rPr lang="fr-FR" sz="2400" dirty="0" smtClean="0">
-                <a:solidFill>
-                  <a:prstClr val="black"/>
-                </a:solidFill>
-                <a:latin typeface="Courier New" panose="02070309020205020404" pitchFamily="49" charset="0"/>
-                <a:cs typeface="Courier New" panose="02070309020205020404" pitchFamily="49" charset="0"/>
-              </a:rPr>
-              <a:t>(char </a:t>
-            </a:r>
-            <a:r>
-              <a:rPr lang="fr-FR" sz="2400" dirty="0" err="1">
-                <a:solidFill>
-                  <a:prstClr val="black"/>
-                </a:solidFill>
-                <a:latin typeface="Courier New" panose="02070309020205020404" pitchFamily="49" charset="0"/>
-                <a:cs typeface="Courier New" panose="02070309020205020404" pitchFamily="49" charset="0"/>
-              </a:rPr>
-              <a:t>dest</a:t>
-            </a:r>
-            <a:r>
-              <a:rPr lang="fr-FR" sz="2400" dirty="0">
-                <a:solidFill>
-                  <a:prstClr val="black"/>
-                </a:solidFill>
-                <a:latin typeface="Courier New" panose="02070309020205020404" pitchFamily="49" charset="0"/>
-                <a:cs typeface="Courier New" panose="02070309020205020404" pitchFamily="49" charset="0"/>
-              </a:rPr>
-              <a:t>[ ], char </a:t>
-            </a:r>
-            <a:r>
-              <a:rPr lang="fr-FR" sz="2400" dirty="0" err="1">
-                <a:solidFill>
-                  <a:prstClr val="black"/>
-                </a:solidFill>
-                <a:latin typeface="Courier New" panose="02070309020205020404" pitchFamily="49" charset="0"/>
-                <a:cs typeface="Courier New" panose="02070309020205020404" pitchFamily="49" charset="0"/>
-              </a:rPr>
-              <a:t>src</a:t>
-            </a:r>
-            <a:r>
-              <a:rPr lang="fr-FR" sz="2400" dirty="0">
-                <a:solidFill>
-                  <a:prstClr val="black"/>
-                </a:solidFill>
-                <a:latin typeface="Courier New" panose="02070309020205020404" pitchFamily="49" charset="0"/>
-                <a:cs typeface="Courier New" panose="02070309020205020404" pitchFamily="49" charset="0"/>
-              </a:rPr>
-              <a:t>[ </a:t>
-            </a:r>
-            <a:r>
-              <a:rPr lang="fr-FR" sz="2400" dirty="0" smtClean="0">
-                <a:solidFill>
-                  <a:prstClr val="black"/>
-                </a:solidFill>
-                <a:latin typeface="Courier New" panose="02070309020205020404" pitchFamily="49" charset="0"/>
-                <a:cs typeface="Courier New" panose="02070309020205020404" pitchFamily="49" charset="0"/>
-              </a:rPr>
-              <a:t>], </a:t>
-            </a:r>
-            <a:r>
-              <a:rPr lang="fr-FR" sz="2400" dirty="0" err="1" smtClean="0">
-                <a:solidFill>
-                  <a:prstClr val="black"/>
-                </a:solidFill>
-                <a:latin typeface="Courier New" panose="02070309020205020404" pitchFamily="49" charset="0"/>
-                <a:cs typeface="Courier New" panose="02070309020205020404" pitchFamily="49" charset="0"/>
-              </a:rPr>
-              <a:t>int</a:t>
-            </a:r>
-            <a:r>
-              <a:rPr lang="fr-FR" sz="2400" dirty="0" smtClean="0">
-                <a:solidFill>
-                  <a:prstClr val="black"/>
-                </a:solidFill>
-                <a:latin typeface="Courier New" panose="02070309020205020404" pitchFamily="49" charset="0"/>
-                <a:cs typeface="Courier New" panose="02070309020205020404" pitchFamily="49" charset="0"/>
-              </a:rPr>
-              <a:t> n);</a:t>
-            </a:r>
-            <a:endParaRPr lang="fr-FR" sz="2400" dirty="0">
+              <a:t>(char s1[], char s2[]);</a:t>
+            </a:r>
+            <a:endParaRPr lang="fr-FR" sz="2400" b="1" dirty="0">
               <a:solidFill>
                 <a:prstClr val="black"/>
               </a:solidFill>
@@ -5530,7 +5936,7 @@
           <a:p>
             <a:pPr lvl="0"/>
             <a:r>
-              <a:rPr lang="fr-FR" sz="2400" dirty="0" err="1">
+              <a:rPr lang="fr-FR" sz="2400" b="1" dirty="0" err="1">
                 <a:solidFill>
                   <a:prstClr val="black"/>
                 </a:solidFill>
@@ -5540,7 +5946,7 @@
               <a:t>i</a:t>
             </a:r>
             <a:r>
-              <a:rPr lang="fr-FR" sz="2400" dirty="0" err="1" smtClean="0">
+              <a:rPr lang="fr-FR" sz="2400" b="1" dirty="0" err="1" smtClean="0">
                 <a:solidFill>
                   <a:prstClr val="black"/>
                 </a:solidFill>
@@ -5550,7 +5956,7 @@
               <a:t>nt</a:t>
             </a:r>
             <a:r>
-              <a:rPr lang="fr-FR" sz="2400" dirty="0" smtClean="0">
+              <a:rPr lang="fr-FR" sz="2400" b="1" dirty="0" smtClean="0">
                 <a:solidFill>
                   <a:prstClr val="black"/>
                 </a:solidFill>
@@ -5560,7 +5966,7 @@
               <a:t> </a:t>
             </a:r>
             <a:r>
-              <a:rPr lang="fr-FR" sz="2400" dirty="0" err="1" smtClean="0">
+              <a:rPr lang="fr-FR" sz="2400" b="1" dirty="0" err="1" smtClean="0">
                 <a:solidFill>
                   <a:prstClr val="black"/>
                 </a:solidFill>
@@ -5570,7 +5976,7 @@
               <a:t>strlen</a:t>
             </a:r>
             <a:r>
-              <a:rPr lang="fr-FR" sz="2400" dirty="0" smtClean="0">
+              <a:rPr lang="fr-FR" sz="2400" b="1" dirty="0" smtClean="0">
                 <a:solidFill>
                   <a:prstClr val="black"/>
                 </a:solidFill>
@@ -5758,7 +6164,7 @@
 </p:sld>
 </file>
 
-<file path=ppt/slides/slide17.xml><?xml version="1.0" encoding="utf-8"?>
+<file path=ppt/slides/slide18.xml><?xml version="1.0" encoding="utf-8"?>
 <p:sld xmlns:a="http://schemas.openxmlformats.org/drawingml/2006/main" xmlns:r="http://schemas.openxmlformats.org/officeDocument/2006/relationships" xmlns:p="http://schemas.openxmlformats.org/presentationml/2006/main">
   <p:cSld>
     <p:spTree>
@@ -5897,7 +6303,7 @@
           <a:p>
             <a:r>
               <a:rPr lang="en-US" dirty="0" smtClean="0"/>
-              <a:t>So the way arrays (of integer, float and char) are exchanged between calling and called function has a different convention that the basic variables.</a:t>
+              <a:t>So the way arrays (of integer, float and char) are exchanged between calling and called function has a different convention than the basic variables.</a:t>
             </a:r>
           </a:p>
           <a:p>
@@ -5958,7 +6364,7 @@
 </p:sld>
 </file>
 
-<file path=ppt/slides/slide18.xml><?xml version="1.0" encoding="utf-8"?>
+<file path=ppt/slides/slide19.xml><?xml version="1.0" encoding="utf-8"?>
 <p:sld xmlns:a="http://schemas.openxmlformats.org/drawingml/2006/main" xmlns:r="http://schemas.openxmlformats.org/officeDocument/2006/relationships" xmlns:p="http://schemas.openxmlformats.org/presentationml/2006/main">
   <p:cSld>
     <p:spTree>
@@ -6328,7 +6734,21 @@
                 <a:latin typeface="Courier New" panose="02070309020205020404" pitchFamily="49" charset="0"/>
                 <a:cs typeface="Courier New" panose="02070309020205020404" pitchFamily="49" charset="0"/>
               </a:rPr>
-              <a:t> = 0;</a:t>
+              <a:t> = 0; </a:t>
+            </a:r>
+            <a:r>
+              <a:rPr lang="en-US" sz="2400" dirty="0" err="1" smtClean="0">
+                <a:latin typeface="Courier New" panose="02070309020205020404" pitchFamily="49" charset="0"/>
+                <a:cs typeface="Courier New" panose="02070309020205020404" pitchFamily="49" charset="0"/>
+              </a:rPr>
+              <a:t>int</a:t>
+            </a:r>
+            <a:r>
+              <a:rPr lang="en-US" sz="2400" dirty="0" smtClean="0">
+                <a:latin typeface="Courier New" panose="02070309020205020404" pitchFamily="49" charset="0"/>
+                <a:cs typeface="Courier New" panose="02070309020205020404" pitchFamily="49" charset="0"/>
+              </a:rPr>
+              <a:t> size = 5;</a:t>
             </a:r>
             <a:br>
               <a:rPr lang="en-US" sz="2400" dirty="0" smtClean="0">
@@ -6341,7 +6761,7 @@
                 <a:latin typeface="Courier New" panose="02070309020205020404" pitchFamily="49" charset="0"/>
                 <a:cs typeface="Courier New" panose="02070309020205020404" pitchFamily="49" charset="0"/>
               </a:rPr>
-              <a:t>   while(a[</a:t>
+              <a:t>   while(</a:t>
             </a:r>
             <a:r>
               <a:rPr lang="en-US" sz="2400" dirty="0" err="1" smtClean="0">
@@ -6355,7 +6775,7 @@
                 <a:latin typeface="Courier New" panose="02070309020205020404" pitchFamily="49" charset="0"/>
                 <a:cs typeface="Courier New" panose="02070309020205020404" pitchFamily="49" charset="0"/>
               </a:rPr>
-              <a:t>]!=‘\0’) {</a:t>
+              <a:t> &lt; size) {</a:t>
             </a:r>
             <a:br>
               <a:rPr lang="en-US" sz="2400" dirty="0" smtClean="0">
@@ -6776,21 +7196,7 @@
                 <a:latin typeface="Courier New" panose="02070309020205020404" pitchFamily="49" charset="0"/>
                 <a:cs typeface="Courier New" panose="02070309020205020404" pitchFamily="49" charset="0"/>
               </a:rPr>
-              <a:t>   </a:t>
-            </a:r>
-            <a:r>
-              <a:rPr lang="en-US" sz="2400" dirty="0" err="1" smtClean="0">
-                <a:latin typeface="Courier New" panose="02070309020205020404" pitchFamily="49" charset="0"/>
-                <a:cs typeface="Courier New" panose="02070309020205020404" pitchFamily="49" charset="0"/>
-              </a:rPr>
-              <a:t>demote_allA</a:t>
-            </a:r>
-            <a:r>
-              <a:rPr lang="en-US" sz="2400" dirty="0" smtClean="0">
-                <a:latin typeface="Courier New" panose="02070309020205020404" pitchFamily="49" charset="0"/>
-                <a:cs typeface="Courier New" panose="02070309020205020404" pitchFamily="49" charset="0"/>
-              </a:rPr>
-              <a:t>(a);</a:t>
+              <a:t>   add_1all(a,5);</a:t>
             </a:r>
             <a:br>
               <a:rPr lang="en-US" sz="2400" dirty="0" smtClean="0">
@@ -6982,6 +7388,196 @@
             </a:p>
           </p:txBody>
         </p:sp>
+      </p:grpSp>
+      <p:cxnSp>
+        <p:nvCxnSpPr>
+          <p:cNvPr id="7" name="Straight Arrow Connector 6"/>
+          <p:cNvCxnSpPr/>
+          <p:nvPr/>
+        </p:nvCxnSpPr>
+        <p:spPr>
+          <a:xfrm flipH="1" flipV="1">
+            <a:off x="3601329" y="4712677"/>
+            <a:ext cx="1350499" cy="1209821"/>
+          </a:xfrm>
+          <a:prstGeom prst="straightConnector1">
+            <a:avLst/>
+          </a:prstGeom>
+          <a:ln>
+            <a:tailEnd type="triangle"/>
+          </a:ln>
+        </p:spPr>
+        <p:style>
+          <a:lnRef idx="1">
+            <a:schemeClr val="accent1"/>
+          </a:lnRef>
+          <a:fillRef idx="0">
+            <a:schemeClr val="accent1"/>
+          </a:fillRef>
+          <a:effectRef idx="0">
+            <a:schemeClr val="accent1"/>
+          </a:effectRef>
+          <a:fontRef idx="minor">
+            <a:schemeClr val="tx1"/>
+          </a:fontRef>
+        </p:style>
+      </p:cxnSp>
+      <p:sp>
+        <p:nvSpPr>
+          <p:cNvPr id="11" name="TextBox 10"/>
+          <p:cNvSpPr txBox="1"/>
+          <p:nvPr/>
+        </p:nvSpPr>
+        <p:spPr>
+          <a:xfrm>
+            <a:off x="3544304" y="5922498"/>
+            <a:ext cx="2522998" cy="646331"/>
+          </a:xfrm>
+          <a:prstGeom prst="rect">
+            <a:avLst/>
+          </a:prstGeom>
+          <a:gradFill flip="none" rotWithShape="1">
+            <a:gsLst>
+              <a:gs pos="0">
+                <a:srgbClr val="FFFF00"/>
+              </a:gs>
+              <a:gs pos="100000">
+                <a:schemeClr val="accent4">
+                  <a:lumMod val="20000"/>
+                  <a:lumOff val="80000"/>
+                </a:schemeClr>
+              </a:gs>
+            </a:gsLst>
+            <a:path path="circle">
+              <a:fillToRect r="100000" b="100000"/>
+            </a:path>
+            <a:tileRect l="-100000" t="-100000"/>
+          </a:gradFill>
+        </p:spPr>
+        <p:txBody>
+          <a:bodyPr wrap="none" rtlCol="0">
+            <a:spAutoFit/>
+          </a:bodyPr>
+          <a:lstStyle/>
+          <a:p>
+            <a:r>
+              <a:rPr lang="en-US" dirty="0" smtClean="0"/>
+              <a:t>We are passing the value</a:t>
+            </a:r>
+            <a:br>
+              <a:rPr lang="en-US" dirty="0" smtClean="0"/>
+            </a:br>
+            <a:r>
+              <a:rPr lang="en-US" dirty="0" smtClean="0"/>
+              <a:t>of one array element</a:t>
+            </a:r>
+            <a:endParaRPr lang="en-US" dirty="0"/>
+          </a:p>
+        </p:txBody>
+      </p:sp>
+      <p:grpSp>
+        <p:nvGrpSpPr>
+          <p:cNvPr id="15" name="Group 14"/>
+          <p:cNvGrpSpPr/>
+          <p:nvPr/>
+        </p:nvGrpSpPr>
+        <p:grpSpPr>
+          <a:xfrm>
+            <a:off x="8975188" y="5148775"/>
+            <a:ext cx="3216812" cy="1605144"/>
+            <a:chOff x="8975188" y="5148775"/>
+            <a:chExt cx="3216812" cy="1605144"/>
+          </a:xfrm>
+        </p:grpSpPr>
+        <p:sp>
+          <p:nvSpPr>
+            <p:cNvPr id="12" name="TextBox 11"/>
+            <p:cNvSpPr txBox="1"/>
+            <p:nvPr/>
+          </p:nvSpPr>
+          <p:spPr>
+            <a:xfrm>
+              <a:off x="8975188" y="6107588"/>
+              <a:ext cx="3216812" cy="646331"/>
+            </a:xfrm>
+            <a:prstGeom prst="rect">
+              <a:avLst/>
+            </a:prstGeom>
+            <a:gradFill flip="none" rotWithShape="1">
+              <a:gsLst>
+                <a:gs pos="0">
+                  <a:srgbClr val="FFFF00"/>
+                </a:gs>
+                <a:gs pos="100000">
+                  <a:schemeClr val="accent4">
+                    <a:lumMod val="20000"/>
+                    <a:lumOff val="80000"/>
+                  </a:schemeClr>
+                </a:gs>
+              </a:gsLst>
+              <a:path path="circle">
+                <a:fillToRect r="100000" b="100000"/>
+              </a:path>
+              <a:tileRect l="-100000" t="-100000"/>
+            </a:gradFill>
+          </p:spPr>
+          <p:txBody>
+            <a:bodyPr wrap="square" rtlCol="0">
+              <a:spAutoFit/>
+            </a:bodyPr>
+            <a:lstStyle/>
+            <a:p>
+              <a:r>
+                <a:rPr lang="en-US" dirty="0" smtClean="0"/>
+                <a:t>We are passing  </a:t>
+              </a:r>
+              <a:r>
+                <a:rPr lang="en-US" sz="1200" i="1" dirty="0" smtClean="0">
+                  <a:latin typeface="Garamond" panose="02020404030301010803" pitchFamily="18" charset="0"/>
+                </a:rPr>
+                <a:t>(a pointer to)</a:t>
+              </a:r>
+              <a:r>
+                <a:rPr lang="en-US" dirty="0" smtClean="0"/>
+                <a:t> the beginning of array</a:t>
+              </a:r>
+              <a:endParaRPr lang="en-US" dirty="0"/>
+            </a:p>
+          </p:txBody>
+        </p:sp>
+        <p:cxnSp>
+          <p:nvCxnSpPr>
+            <p:cNvPr id="14" name="Straight Arrow Connector 13"/>
+            <p:cNvCxnSpPr/>
+            <p:nvPr/>
+          </p:nvCxnSpPr>
+          <p:spPr>
+            <a:xfrm flipH="1" flipV="1">
+              <a:off x="9631652" y="5148775"/>
+              <a:ext cx="2020860" cy="1005794"/>
+            </a:xfrm>
+            <a:prstGeom prst="straightConnector1">
+              <a:avLst/>
+            </a:prstGeom>
+            <a:ln>
+              <a:tailEnd type="triangle"/>
+            </a:ln>
+          </p:spPr>
+          <p:style>
+            <a:lnRef idx="1">
+              <a:schemeClr val="accent1"/>
+            </a:lnRef>
+            <a:fillRef idx="0">
+              <a:schemeClr val="accent1"/>
+            </a:fillRef>
+            <a:effectRef idx="0">
+              <a:schemeClr val="accent1"/>
+            </a:effectRef>
+            <a:fontRef idx="minor">
+              <a:schemeClr val="tx1"/>
+            </a:fontRef>
+          </p:style>
+        </p:cxnSp>
       </p:grpSp>
     </p:spTree>
     <p:extLst>
@@ -7135,6 +7731,51 @@
                       </p:childTnLst>
                     </p:cTn>
                   </p:par>
+                  <p:par>
+                    <p:cTn id="13" fill="hold">
+                      <p:stCondLst>
+                        <p:cond delay="indefinite"/>
+                      </p:stCondLst>
+                      <p:childTnLst>
+                        <p:par>
+                          <p:cTn id="14" fill="hold">
+                            <p:stCondLst>
+                              <p:cond delay="0"/>
+                            </p:stCondLst>
+                            <p:childTnLst>
+                              <p:par>
+                                <p:cTn id="15" presetID="1" presetClass="entr" presetSubtype="0" fill="hold" nodeType="clickEffect">
+                                  <p:stCondLst>
+                                    <p:cond delay="0"/>
+                                  </p:stCondLst>
+                                  <p:childTnLst>
+                                    <p:set>
+                                      <p:cBhvr>
+                                        <p:cTn id="16" dur="1" fill="hold">
+                                          <p:stCondLst>
+                                            <p:cond delay="0"/>
+                                          </p:stCondLst>
+                                        </p:cTn>
+                                        <p:tgtEl>
+                                          <p:spTgt spid="15"/>
+                                        </p:tgtEl>
+                                        <p:attrNameLst>
+                                          <p:attrName>style.visibility</p:attrName>
+                                        </p:attrNameLst>
+                                      </p:cBhvr>
+                                      <p:to>
+                                        <p:strVal val="visible"/>
+                                      </p:to>
+                                    </p:set>
+                                  </p:childTnLst>
+                                </p:cTn>
+                              </p:par>
+                            </p:childTnLst>
+                          </p:cTn>
+                        </p:par>
+                      </p:childTnLst>
+                    </p:cTn>
+                  </p:par>
                 </p:childTnLst>
               </p:cTn>
               <p:prevCondLst>
@@ -7163,7 +7804,314 @@
 </p:sld>
 </file>
 
-<file path=ppt/slides/slide19.xml><?xml version="1.0" encoding="utf-8"?>
+<file path=ppt/slides/slide2.xml><?xml version="1.0" encoding="utf-8"?>
+<p:sld xmlns:a="http://schemas.openxmlformats.org/drawingml/2006/main" xmlns:r="http://schemas.openxmlformats.org/officeDocument/2006/relationships" xmlns:p="http://schemas.openxmlformats.org/presentationml/2006/main">
+  <p:cSld>
+    <p:spTree>
+      <p:nvGrpSpPr>
+        <p:cNvPr id="1" name=""/>
+        <p:cNvGrpSpPr/>
+        <p:nvPr/>
+      </p:nvGrpSpPr>
+      <p:grpSpPr>
+        <a:xfrm>
+          <a:off x="0" y="0"/>
+          <a:ext cx="0" cy="0"/>
+          <a:chOff x="0" y="0"/>
+          <a:chExt cx="0" cy="0"/>
+        </a:xfrm>
+      </p:grpSpPr>
+      <p:sp>
+        <p:nvSpPr>
+          <p:cNvPr id="2" name="Title 1"/>
+          <p:cNvSpPr>
+            <a:spLocks noGrp="1"/>
+          </p:cNvSpPr>
+          <p:nvPr>
+            <p:ph type="title"/>
+          </p:nvPr>
+        </p:nvSpPr>
+        <p:spPr/>
+        <p:txBody>
+          <a:bodyPr/>
+          <a:lstStyle/>
+          <a:p>
+            <a:r>
+              <a:rPr lang="en-US" dirty="0" smtClean="0"/>
+              <a:t>A simple use case</a:t>
+            </a:r>
+            <a:endParaRPr lang="en-US" dirty="0"/>
+          </a:p>
+        </p:txBody>
+      </p:sp>
+      <p:sp>
+        <p:nvSpPr>
+          <p:cNvPr id="3" name="Content Placeholder 2"/>
+          <p:cNvSpPr>
+            <a:spLocks noGrp="1"/>
+          </p:cNvSpPr>
+          <p:nvPr>
+            <p:ph idx="1"/>
+          </p:nvPr>
+        </p:nvSpPr>
+        <p:spPr>
+          <a:xfrm>
+            <a:off x="838200" y="1690688"/>
+            <a:ext cx="10515600" cy="4414689"/>
+          </a:xfrm>
+        </p:spPr>
+        <p:txBody>
+          <a:bodyPr>
+            <a:normAutofit fontScale="92500" lnSpcReduction="20000"/>
+          </a:bodyPr>
+          <a:lstStyle/>
+          <a:p>
+            <a:r>
+              <a:rPr lang="en-US" dirty="0" smtClean="0"/>
+              <a:t>What if we want to</a:t>
+            </a:r>
+          </a:p>
+          <a:p>
+            <a:pPr lvl="1"/>
+            <a:r>
+              <a:rPr lang="en-US" dirty="0" smtClean="0"/>
+              <a:t>Store a sequence of integers and manipulate – access/ change them comfortably… to find the maximum of them, say.</a:t>
+            </a:r>
+          </a:p>
+          <a:p>
+            <a:pPr lvl="1"/>
+            <a:r>
+              <a:rPr lang="en-US" dirty="0" smtClean="0"/>
+              <a:t>Like to access them like we do subscripted variables as we do in mathematics!  </a:t>
+            </a:r>
+            <a:r>
+              <a:rPr lang="en-US" sz="2800" dirty="0" smtClean="0">
+                <a:latin typeface="Garamond" panose="02020404030301010803" pitchFamily="18" charset="0"/>
+              </a:rPr>
+              <a:t>a</a:t>
+            </a:r>
+            <a:r>
+              <a:rPr lang="en-US" sz="2800" baseline="-25000" dirty="0" smtClean="0">
+                <a:latin typeface="Garamond" panose="02020404030301010803" pitchFamily="18" charset="0"/>
+              </a:rPr>
+              <a:t>0</a:t>
+            </a:r>
+            <a:r>
+              <a:rPr lang="en-US" sz="2800" dirty="0" smtClean="0">
+                <a:latin typeface="Garamond" panose="02020404030301010803" pitchFamily="18" charset="0"/>
+              </a:rPr>
+              <a:t>, a</a:t>
+            </a:r>
+            <a:r>
+              <a:rPr lang="en-US" sz="2800" baseline="-25000" dirty="0">
+                <a:latin typeface="Garamond" panose="02020404030301010803" pitchFamily="18" charset="0"/>
+              </a:rPr>
+              <a:t>1</a:t>
+            </a:r>
+            <a:r>
+              <a:rPr lang="en-US" sz="2800" dirty="0" smtClean="0">
+                <a:latin typeface="Garamond" panose="02020404030301010803" pitchFamily="18" charset="0"/>
+              </a:rPr>
+              <a:t>, a</a:t>
+            </a:r>
+            <a:r>
+              <a:rPr lang="en-US" sz="2800" baseline="-25000" dirty="0" smtClean="0">
+                <a:latin typeface="Garamond" panose="02020404030301010803" pitchFamily="18" charset="0"/>
+              </a:rPr>
+              <a:t>2</a:t>
+            </a:r>
+            <a:r>
+              <a:rPr lang="en-US" sz="2800" dirty="0" smtClean="0">
+                <a:latin typeface="Garamond" panose="02020404030301010803" pitchFamily="18" charset="0"/>
+              </a:rPr>
+              <a:t>, …	</a:t>
+            </a:r>
+            <a:r>
+              <a:rPr lang="en-US" dirty="0" smtClean="0"/>
+              <a:t>That is a simple way to understand arrays.</a:t>
+            </a:r>
+          </a:p>
+          <a:p>
+            <a:pPr lvl="1"/>
+            <a:r>
+              <a:rPr lang="en-US" dirty="0" smtClean="0"/>
+              <a:t>In C we use the variables a[0],a[1],a[2]…</a:t>
+            </a:r>
+          </a:p>
+          <a:p>
+            <a:pPr lvl="1"/>
+            <a:r>
+              <a:rPr lang="en-US" dirty="0" smtClean="0"/>
+              <a:t>In C we define the aggregate </a:t>
+            </a:r>
+            <a:r>
+              <a:rPr lang="en-US" b="1" dirty="0" smtClean="0"/>
+              <a:t>array variable </a:t>
+            </a:r>
+            <a:r>
+              <a:rPr lang="en-US" dirty="0" smtClean="0"/>
+              <a:t>as</a:t>
+            </a:r>
+            <a:br>
+              <a:rPr lang="en-US" dirty="0" smtClean="0"/>
+            </a:br>
+            <a:r>
+              <a:rPr lang="en-US" dirty="0" smtClean="0"/>
+              <a:t>   </a:t>
+            </a:r>
+            <a:r>
+              <a:rPr lang="en-US" sz="2000" b="1" dirty="0" err="1" smtClean="0">
+                <a:latin typeface="Courier New" panose="02070309020205020404" pitchFamily="49" charset="0"/>
+                <a:cs typeface="Courier New" panose="02070309020205020404" pitchFamily="49" charset="0"/>
+              </a:rPr>
+              <a:t>int</a:t>
+            </a:r>
+            <a:r>
+              <a:rPr lang="en-US" sz="2000" b="1" dirty="0" smtClean="0">
+                <a:latin typeface="Courier New" panose="02070309020205020404" pitchFamily="49" charset="0"/>
+                <a:cs typeface="Courier New" panose="02070309020205020404" pitchFamily="49" charset="0"/>
+              </a:rPr>
+              <a:t> a[10];</a:t>
+            </a:r>
+            <a:endParaRPr lang="en-US" b="1" dirty="0" smtClean="0">
+              <a:latin typeface="Courier New" panose="02070309020205020404" pitchFamily="49" charset="0"/>
+              <a:cs typeface="Courier New" panose="02070309020205020404" pitchFamily="49" charset="0"/>
+            </a:endParaRPr>
+          </a:p>
+          <a:p>
+            <a:pPr lvl="1"/>
+            <a:r>
+              <a:rPr lang="en-US" dirty="0" smtClean="0"/>
+              <a:t>Notice that the 10 here indicates there are 10 variables.</a:t>
+            </a:r>
+          </a:p>
+          <a:p>
+            <a:pPr lvl="1"/>
+            <a:r>
+              <a:rPr lang="en-US" dirty="0" smtClean="0"/>
+              <a:t>They are used/accessed as </a:t>
+            </a:r>
+            <a:r>
+              <a:rPr lang="en-US" sz="2000" b="1" dirty="0" smtClean="0">
+                <a:latin typeface="Courier New" panose="02070309020205020404" pitchFamily="49" charset="0"/>
+                <a:cs typeface="Courier New" panose="02070309020205020404" pitchFamily="49" charset="0"/>
+              </a:rPr>
+              <a:t>a[0], a[1], … a[9].</a:t>
+            </a:r>
+            <a:endParaRPr lang="en-US" b="1" dirty="0" smtClean="0">
+              <a:latin typeface="Courier New" panose="02070309020205020404" pitchFamily="49" charset="0"/>
+              <a:cs typeface="Courier New" panose="02070309020205020404" pitchFamily="49" charset="0"/>
+            </a:endParaRPr>
+          </a:p>
+          <a:p>
+            <a:pPr lvl="2"/>
+            <a:r>
+              <a:rPr lang="en-US" dirty="0" smtClean="0"/>
+              <a:t>They start at 0  so they go up to 9 – 10 in all in this example.</a:t>
+            </a:r>
+          </a:p>
+          <a:p>
+            <a:pPr lvl="1"/>
+            <a:r>
+              <a:rPr lang="en-US" dirty="0" smtClean="0"/>
+              <a:t>In the notation </a:t>
+            </a:r>
+            <a:r>
+              <a:rPr lang="en-US" dirty="0" smtClean="0">
+                <a:latin typeface="Courier New" panose="02070309020205020404" pitchFamily="49" charset="0"/>
+                <a:cs typeface="Courier New" panose="02070309020205020404" pitchFamily="49" charset="0"/>
+              </a:rPr>
+              <a:t>a[</a:t>
+            </a:r>
+            <a:r>
+              <a:rPr lang="en-US" b="1" i="1" dirty="0" err="1" smtClean="0">
+                <a:latin typeface="Garamond" panose="02020404030301010803" pitchFamily="18" charset="0"/>
+                <a:cs typeface="Courier New" panose="02070309020205020404" pitchFamily="49" charset="0"/>
+              </a:rPr>
+              <a:t>i</a:t>
+            </a:r>
+            <a:r>
+              <a:rPr lang="en-US" dirty="0" smtClean="0">
+                <a:latin typeface="Courier New" panose="02070309020205020404" pitchFamily="49" charset="0"/>
+                <a:cs typeface="Courier New" panose="02070309020205020404" pitchFamily="49" charset="0"/>
+              </a:rPr>
+              <a:t>],  </a:t>
+            </a:r>
+            <a:r>
+              <a:rPr lang="en-US" b="1" i="1" dirty="0" err="1">
+                <a:latin typeface="Garamond" panose="02020404030301010803" pitchFamily="18" charset="0"/>
+                <a:cs typeface="Courier New" panose="02070309020205020404" pitchFamily="49" charset="0"/>
+              </a:rPr>
+              <a:t>i</a:t>
+            </a:r>
+            <a:r>
+              <a:rPr lang="en-US" b="1" i="1" dirty="0">
+                <a:latin typeface="Garamond" panose="02020404030301010803" pitchFamily="18" charset="0"/>
+                <a:cs typeface="Courier New" panose="02070309020205020404" pitchFamily="49" charset="0"/>
+              </a:rPr>
+              <a:t> </a:t>
+            </a:r>
+            <a:r>
+              <a:rPr lang="en-US" b="1" i="1" dirty="0" smtClean="0">
+                <a:latin typeface="Garamond" panose="02020404030301010803" pitchFamily="18" charset="0"/>
+                <a:cs typeface="Courier New" panose="02070309020205020404" pitchFamily="49" charset="0"/>
+              </a:rPr>
+              <a:t>  </a:t>
+            </a:r>
+            <a:r>
+              <a:rPr lang="en-US" dirty="0" smtClean="0"/>
+              <a:t>is called the  </a:t>
+            </a:r>
+            <a:r>
+              <a:rPr lang="en-US" b="1" i="1" dirty="0" smtClean="0">
+                <a:latin typeface="Garamond" panose="02020404030301010803" pitchFamily="18" charset="0"/>
+                <a:cs typeface="Courier New" panose="02070309020205020404" pitchFamily="49" charset="0"/>
+              </a:rPr>
+              <a:t>index</a:t>
+            </a:r>
+            <a:r>
+              <a:rPr lang="en-US" dirty="0" smtClean="0"/>
+              <a:t>.</a:t>
+            </a:r>
+          </a:p>
+          <a:p>
+            <a:pPr lvl="1"/>
+            <a:r>
+              <a:rPr lang="en-US" b="1" dirty="0" smtClean="0">
+                <a:solidFill>
+                  <a:srgbClr val="FF0000"/>
+                </a:solidFill>
+              </a:rPr>
+              <a:t>There is no special way to read/print all elements of an array</a:t>
+            </a:r>
+            <a:r>
+              <a:rPr lang="en-US" dirty="0" smtClean="0"/>
+              <a:t>, we need to do them one by one, just like other variables.</a:t>
+            </a:r>
+          </a:p>
+        </p:txBody>
+      </p:sp>
+    </p:spTree>
+    <p:extLst>
+      <p:ext uri="{BB962C8B-B14F-4D97-AF65-F5344CB8AC3E}">
+        <p14:creationId xmlns:p14="http://schemas.microsoft.com/office/powerpoint/2010/main" val="3197197220"/>
+      </p:ext>
+    </p:extLst>
+  </p:cSld>
+  <p:clrMapOvr>
+    <a:masterClrMapping/>
+  </p:clrMapOvr>
+  <p:timing>
+    <p:tnLst>
+      <p:par>
+        <p:cTn id="1" dur="indefinite" restart="never" nodeType="tmRoot"/>
+      </p:par>
+    </p:tnLst>
+  </p:timing>
+</p:sld>
+</file>
+
+<file path=ppt/slides/slide20.xml><?xml version="1.0" encoding="utf-8"?>
 <p:sld xmlns:a="http://schemas.openxmlformats.org/drawingml/2006/main" xmlns:r="http://schemas.openxmlformats.org/officeDocument/2006/relationships" xmlns:p="http://schemas.openxmlformats.org/presentationml/2006/main">
   <p:cSld>
     <p:spTree>
@@ -8344,314 +9292,7 @@
 </p:sld>
 </file>
 
-<file path=ppt/slides/slide2.xml><?xml version="1.0" encoding="utf-8"?>
-<p:sld xmlns:a="http://schemas.openxmlformats.org/drawingml/2006/main" xmlns:r="http://schemas.openxmlformats.org/officeDocument/2006/relationships" xmlns:p="http://schemas.openxmlformats.org/presentationml/2006/main">
-  <p:cSld>
-    <p:spTree>
-      <p:nvGrpSpPr>
-        <p:cNvPr id="1" name=""/>
-        <p:cNvGrpSpPr/>
-        <p:nvPr/>
-      </p:nvGrpSpPr>
-      <p:grpSpPr>
-        <a:xfrm>
-          <a:off x="0" y="0"/>
-          <a:ext cx="0" cy="0"/>
-          <a:chOff x="0" y="0"/>
-          <a:chExt cx="0" cy="0"/>
-        </a:xfrm>
-      </p:grpSpPr>
-      <p:sp>
-        <p:nvSpPr>
-          <p:cNvPr id="2" name="Title 1"/>
-          <p:cNvSpPr>
-            <a:spLocks noGrp="1"/>
-          </p:cNvSpPr>
-          <p:nvPr>
-            <p:ph type="title"/>
-          </p:nvPr>
-        </p:nvSpPr>
-        <p:spPr/>
-        <p:txBody>
-          <a:bodyPr/>
-          <a:lstStyle/>
-          <a:p>
-            <a:r>
-              <a:rPr lang="en-US" dirty="0" smtClean="0"/>
-              <a:t>A simple use case</a:t>
-            </a:r>
-            <a:endParaRPr lang="en-US" dirty="0"/>
-          </a:p>
-        </p:txBody>
-      </p:sp>
-      <p:sp>
-        <p:nvSpPr>
-          <p:cNvPr id="3" name="Content Placeholder 2"/>
-          <p:cNvSpPr>
-            <a:spLocks noGrp="1"/>
-          </p:cNvSpPr>
-          <p:nvPr>
-            <p:ph idx="1"/>
-          </p:nvPr>
-        </p:nvSpPr>
-        <p:spPr>
-          <a:xfrm>
-            <a:off x="838200" y="1690688"/>
-            <a:ext cx="10515600" cy="4414689"/>
-          </a:xfrm>
-        </p:spPr>
-        <p:txBody>
-          <a:bodyPr>
-            <a:normAutofit fontScale="92500" lnSpcReduction="20000"/>
-          </a:bodyPr>
-          <a:lstStyle/>
-          <a:p>
-            <a:r>
-              <a:rPr lang="en-US" dirty="0" smtClean="0"/>
-              <a:t>What if we want to</a:t>
-            </a:r>
-          </a:p>
-          <a:p>
-            <a:pPr lvl="1"/>
-            <a:r>
-              <a:rPr lang="en-US" dirty="0" smtClean="0"/>
-              <a:t>Store a sequence of integers and manipulate – access/ change them comfortably… to find the maximum of them, say.</a:t>
-            </a:r>
-          </a:p>
-          <a:p>
-            <a:pPr lvl="1"/>
-            <a:r>
-              <a:rPr lang="en-US" dirty="0" smtClean="0"/>
-              <a:t>Like to access them like we do subscripted variables as we do in mathematics!  </a:t>
-            </a:r>
-            <a:r>
-              <a:rPr lang="en-US" sz="2800" dirty="0" smtClean="0">
-                <a:latin typeface="Garamond" panose="02020404030301010803" pitchFamily="18" charset="0"/>
-              </a:rPr>
-              <a:t>a</a:t>
-            </a:r>
-            <a:r>
-              <a:rPr lang="en-US" sz="2800" baseline="-25000" dirty="0" smtClean="0">
-                <a:latin typeface="Garamond" panose="02020404030301010803" pitchFamily="18" charset="0"/>
-              </a:rPr>
-              <a:t>0</a:t>
-            </a:r>
-            <a:r>
-              <a:rPr lang="en-US" sz="2800" dirty="0" smtClean="0">
-                <a:latin typeface="Garamond" panose="02020404030301010803" pitchFamily="18" charset="0"/>
-              </a:rPr>
-              <a:t>, a</a:t>
-            </a:r>
-            <a:r>
-              <a:rPr lang="en-US" sz="2800" baseline="-25000" dirty="0">
-                <a:latin typeface="Garamond" panose="02020404030301010803" pitchFamily="18" charset="0"/>
-              </a:rPr>
-              <a:t>1</a:t>
-            </a:r>
-            <a:r>
-              <a:rPr lang="en-US" sz="2800" dirty="0" smtClean="0">
-                <a:latin typeface="Garamond" panose="02020404030301010803" pitchFamily="18" charset="0"/>
-              </a:rPr>
-              <a:t>, a</a:t>
-            </a:r>
-            <a:r>
-              <a:rPr lang="en-US" sz="2800" baseline="-25000" dirty="0" smtClean="0">
-                <a:latin typeface="Garamond" panose="02020404030301010803" pitchFamily="18" charset="0"/>
-              </a:rPr>
-              <a:t>2</a:t>
-            </a:r>
-            <a:r>
-              <a:rPr lang="en-US" sz="2800" dirty="0" smtClean="0">
-                <a:latin typeface="Garamond" panose="02020404030301010803" pitchFamily="18" charset="0"/>
-              </a:rPr>
-              <a:t>, …	</a:t>
-            </a:r>
-            <a:r>
-              <a:rPr lang="en-US" dirty="0" smtClean="0"/>
-              <a:t>That is a simple way to understand arrays.</a:t>
-            </a:r>
-          </a:p>
-          <a:p>
-            <a:pPr lvl="1"/>
-            <a:r>
-              <a:rPr lang="en-US" dirty="0" smtClean="0"/>
-              <a:t>In C we use the variables a[0],a[1],a[2]…</a:t>
-            </a:r>
-          </a:p>
-          <a:p>
-            <a:pPr lvl="1"/>
-            <a:r>
-              <a:rPr lang="en-US" dirty="0" smtClean="0"/>
-              <a:t>In C we define the aggregate </a:t>
-            </a:r>
-            <a:r>
-              <a:rPr lang="en-US" b="1" dirty="0" smtClean="0"/>
-              <a:t>array variable </a:t>
-            </a:r>
-            <a:r>
-              <a:rPr lang="en-US" dirty="0" smtClean="0"/>
-              <a:t>as</a:t>
-            </a:r>
-            <a:br>
-              <a:rPr lang="en-US" dirty="0" smtClean="0"/>
-            </a:br>
-            <a:r>
-              <a:rPr lang="en-US" dirty="0" smtClean="0"/>
-              <a:t>   </a:t>
-            </a:r>
-            <a:r>
-              <a:rPr lang="en-US" sz="2000" b="1" dirty="0" err="1" smtClean="0">
-                <a:latin typeface="Courier New" panose="02070309020205020404" pitchFamily="49" charset="0"/>
-                <a:cs typeface="Courier New" panose="02070309020205020404" pitchFamily="49" charset="0"/>
-              </a:rPr>
-              <a:t>int</a:t>
-            </a:r>
-            <a:r>
-              <a:rPr lang="en-US" sz="2000" b="1" dirty="0" smtClean="0">
-                <a:latin typeface="Courier New" panose="02070309020205020404" pitchFamily="49" charset="0"/>
-                <a:cs typeface="Courier New" panose="02070309020205020404" pitchFamily="49" charset="0"/>
-              </a:rPr>
-              <a:t> a[10];</a:t>
-            </a:r>
-            <a:endParaRPr lang="en-US" b="1" dirty="0" smtClean="0">
-              <a:latin typeface="Courier New" panose="02070309020205020404" pitchFamily="49" charset="0"/>
-              <a:cs typeface="Courier New" panose="02070309020205020404" pitchFamily="49" charset="0"/>
-            </a:endParaRPr>
-          </a:p>
-          <a:p>
-            <a:pPr lvl="1"/>
-            <a:r>
-              <a:rPr lang="en-US" dirty="0" smtClean="0"/>
-              <a:t>Notice that the 10 here indicates there are 10 variables.</a:t>
-            </a:r>
-          </a:p>
-          <a:p>
-            <a:pPr lvl="1"/>
-            <a:r>
-              <a:rPr lang="en-US" dirty="0" smtClean="0"/>
-              <a:t>They are used/accessed as </a:t>
-            </a:r>
-            <a:r>
-              <a:rPr lang="en-US" sz="2000" b="1" dirty="0" smtClean="0">
-                <a:latin typeface="Courier New" panose="02070309020205020404" pitchFamily="49" charset="0"/>
-                <a:cs typeface="Courier New" panose="02070309020205020404" pitchFamily="49" charset="0"/>
-              </a:rPr>
-              <a:t>a[0], a[1], … a[9].</a:t>
-            </a:r>
-            <a:endParaRPr lang="en-US" b="1" dirty="0" smtClean="0">
-              <a:latin typeface="Courier New" panose="02070309020205020404" pitchFamily="49" charset="0"/>
-              <a:cs typeface="Courier New" panose="02070309020205020404" pitchFamily="49" charset="0"/>
-            </a:endParaRPr>
-          </a:p>
-          <a:p>
-            <a:pPr lvl="2"/>
-            <a:r>
-              <a:rPr lang="en-US" dirty="0" smtClean="0"/>
-              <a:t>They start at 0  so they go up to 9 – 10 in all in this example.</a:t>
-            </a:r>
-          </a:p>
-          <a:p>
-            <a:pPr lvl="1"/>
-            <a:r>
-              <a:rPr lang="en-US" dirty="0" smtClean="0"/>
-              <a:t>In the notation </a:t>
-            </a:r>
-            <a:r>
-              <a:rPr lang="en-US" dirty="0" smtClean="0">
-                <a:latin typeface="Courier New" panose="02070309020205020404" pitchFamily="49" charset="0"/>
-                <a:cs typeface="Courier New" panose="02070309020205020404" pitchFamily="49" charset="0"/>
-              </a:rPr>
-              <a:t>a[</a:t>
-            </a:r>
-            <a:r>
-              <a:rPr lang="en-US" b="1" i="1" dirty="0" err="1" smtClean="0">
-                <a:latin typeface="Garamond" panose="02020404030301010803" pitchFamily="18" charset="0"/>
-                <a:cs typeface="Courier New" panose="02070309020205020404" pitchFamily="49" charset="0"/>
-              </a:rPr>
-              <a:t>i</a:t>
-            </a:r>
-            <a:r>
-              <a:rPr lang="en-US" dirty="0" smtClean="0">
-                <a:latin typeface="Courier New" panose="02070309020205020404" pitchFamily="49" charset="0"/>
-                <a:cs typeface="Courier New" panose="02070309020205020404" pitchFamily="49" charset="0"/>
-              </a:rPr>
-              <a:t>],  </a:t>
-            </a:r>
-            <a:r>
-              <a:rPr lang="en-US" b="1" i="1" dirty="0" err="1">
-                <a:latin typeface="Garamond" panose="02020404030301010803" pitchFamily="18" charset="0"/>
-                <a:cs typeface="Courier New" panose="02070309020205020404" pitchFamily="49" charset="0"/>
-              </a:rPr>
-              <a:t>i</a:t>
-            </a:r>
-            <a:r>
-              <a:rPr lang="en-US" b="1" i="1" dirty="0">
-                <a:latin typeface="Garamond" panose="02020404030301010803" pitchFamily="18" charset="0"/>
-                <a:cs typeface="Courier New" panose="02070309020205020404" pitchFamily="49" charset="0"/>
-              </a:rPr>
-              <a:t> </a:t>
-            </a:r>
-            <a:r>
-              <a:rPr lang="en-US" b="1" i="1" dirty="0" smtClean="0">
-                <a:latin typeface="Garamond" panose="02020404030301010803" pitchFamily="18" charset="0"/>
-                <a:cs typeface="Courier New" panose="02070309020205020404" pitchFamily="49" charset="0"/>
-              </a:rPr>
-              <a:t>  </a:t>
-            </a:r>
-            <a:r>
-              <a:rPr lang="en-US" dirty="0" smtClean="0"/>
-              <a:t>is called the  </a:t>
-            </a:r>
-            <a:r>
-              <a:rPr lang="en-US" b="1" i="1" dirty="0" smtClean="0">
-                <a:latin typeface="Garamond" panose="02020404030301010803" pitchFamily="18" charset="0"/>
-                <a:cs typeface="Courier New" panose="02070309020205020404" pitchFamily="49" charset="0"/>
-              </a:rPr>
-              <a:t>index</a:t>
-            </a:r>
-            <a:r>
-              <a:rPr lang="en-US" dirty="0" smtClean="0"/>
-              <a:t>.</a:t>
-            </a:r>
-          </a:p>
-          <a:p>
-            <a:pPr lvl="1"/>
-            <a:r>
-              <a:rPr lang="en-US" b="1" dirty="0" smtClean="0">
-                <a:solidFill>
-                  <a:srgbClr val="FF0000"/>
-                </a:solidFill>
-              </a:rPr>
-              <a:t>There is no special way to read/print all elements of an array</a:t>
-            </a:r>
-            <a:r>
-              <a:rPr lang="en-US" dirty="0" smtClean="0"/>
-              <a:t>, we need to do them one by one, just like other variables.</a:t>
-            </a:r>
-          </a:p>
-        </p:txBody>
-      </p:sp>
-    </p:spTree>
-    <p:extLst>
-      <p:ext uri="{BB962C8B-B14F-4D97-AF65-F5344CB8AC3E}">
-        <p14:creationId xmlns:p14="http://schemas.microsoft.com/office/powerpoint/2010/main" val="3197197220"/>
-      </p:ext>
-    </p:extLst>
-  </p:cSld>
-  <p:clrMapOvr>
-    <a:masterClrMapping/>
-  </p:clrMapOvr>
-  <p:timing>
-    <p:tnLst>
-      <p:par>
-        <p:cTn id="1" dur="indefinite" restart="never" nodeType="tmRoot"/>
-      </p:par>
-    </p:tnLst>
-  </p:timing>
-</p:sld>
-</file>
-
-<file path=ppt/slides/slide20.xml><?xml version="1.0" encoding="utf-8"?>
+<file path=ppt/slides/slide21.xml><?xml version="1.0" encoding="utf-8"?>
 <p:sld xmlns:a="http://schemas.openxmlformats.org/drawingml/2006/main" xmlns:r="http://schemas.openxmlformats.org/officeDocument/2006/relationships" xmlns:p="http://schemas.openxmlformats.org/presentationml/2006/main">
   <p:cSld>
     <p:spTree>
@@ -10779,7 +11420,9 @@
         </p:nvSpPr>
         <p:spPr/>
         <p:txBody>
-          <a:bodyPr/>
+          <a:bodyPr>
+            <a:normAutofit/>
+          </a:bodyPr>
           <a:lstStyle/>
           <a:p>
             <a:r>
@@ -10811,8 +11454,32 @@
                 <a:latin typeface="Courier New" panose="02070309020205020404" pitchFamily="49" charset="0"/>
                 <a:cs typeface="Courier New" panose="02070309020205020404" pitchFamily="49" charset="0"/>
               </a:rPr>
-              <a:t>a[6],a[7],a[8],a[9]</a:t>
-            </a:r>
+              <a:t>a[6],a[7],a[8],a[9</a:t>
+            </a:r>
+            <a:r>
+              <a:rPr lang="en-US" dirty="0" smtClean="0">
+                <a:latin typeface="Courier New" panose="02070309020205020404" pitchFamily="49" charset="0"/>
+                <a:cs typeface="Courier New" panose="02070309020205020404" pitchFamily="49" charset="0"/>
+              </a:rPr>
+              <a:t>]</a:t>
+            </a:r>
+          </a:p>
+          <a:p>
+            <a:r>
+              <a:rPr lang="en-US" b="1" dirty="0" smtClean="0">
+                <a:cs typeface="Courier New" panose="02070309020205020404" pitchFamily="49" charset="0"/>
+              </a:rPr>
+              <a:t>No way</a:t>
+            </a:r>
+            <a:r>
+              <a:rPr lang="en-US" dirty="0" smtClean="0">
+                <a:cs typeface="Courier New" panose="02070309020205020404" pitchFamily="49" charset="0"/>
+              </a:rPr>
+              <a:t> to look into an array and say hominy positions are initialized. This is just like any other variable, no way to say if it is uninitialized.</a:t>
+            </a:r>
+            <a:endParaRPr lang="en-US" dirty="0" smtClean="0">
+              <a:cs typeface="Courier New" panose="02070309020205020404" pitchFamily="49" charset="0"/>
+            </a:endParaRPr>
           </a:p>
           <a:p>
             <a:r>
@@ -10956,7 +11623,28 @@
                 <a:latin typeface="Courier New" panose="02070309020205020404" pitchFamily="49" charset="0"/>
                 <a:cs typeface="Courier New" panose="02070309020205020404" pitchFamily="49" charset="0"/>
               </a:rPr>
-              <a:t> a[2][3]={{1,10,100},{2,20,200}};</a:t>
+              <a:t> a[2][3]={{1,10,100},{2,20,200</a:t>
+            </a:r>
+            <a:r>
+              <a:rPr lang="en-US" sz="2400" dirty="0" smtClean="0">
+                <a:latin typeface="Courier New" panose="02070309020205020404" pitchFamily="49" charset="0"/>
+                <a:cs typeface="Courier New" panose="02070309020205020404" pitchFamily="49" charset="0"/>
+              </a:rPr>
+              <a:t>}}; </a:t>
+            </a:r>
+            <a:r>
+              <a:rPr lang="en-US" sz="2400" i="1" dirty="0" smtClean="0">
+                <a:latin typeface="Gabriola" panose="04040605051002020D02" pitchFamily="82" charset="0"/>
+                <a:cs typeface="Courier New" panose="02070309020205020404" pitchFamily="49" charset="0"/>
+              </a:rPr>
+              <a:t>// recommended way</a:t>
+            </a:r>
+            <a:r>
+              <a:rPr lang="en-US" sz="2400" dirty="0" smtClean="0">
+                <a:latin typeface="Courier New" panose="02070309020205020404" pitchFamily="49" charset="0"/>
+                <a:cs typeface="Courier New" panose="02070309020205020404" pitchFamily="49" charset="0"/>
+              </a:rPr>
+              <a:t/>
             </a:r>
             <a:br>
               <a:rPr lang="en-US" sz="2400" dirty="0" smtClean="0">

--- a/slides/07-Arrays-char-ASCII-strings-fns.pptx
+++ b/slides/07-Arrays-char-ASCII-strings-fns.pptx
@@ -263,7 +263,7 @@
           <a:p>
             <a:fld id="{8725AE58-0B88-40F5-B254-4B9A81217A44}" type="datetimeFigureOut">
               <a:rPr lang="en-US" smtClean="0"/>
-              <a:t>10/20/2023</a:t>
+              <a:t>22-Aug-24</a:t>
             </a:fld>
             <a:endParaRPr lang="en-US"/>
           </a:p>
@@ -433,7 +433,7 @@
           <a:p>
             <a:fld id="{8725AE58-0B88-40F5-B254-4B9A81217A44}" type="datetimeFigureOut">
               <a:rPr lang="en-US" smtClean="0"/>
-              <a:t>10/20/2023</a:t>
+              <a:t>22-Aug-24</a:t>
             </a:fld>
             <a:endParaRPr lang="en-US"/>
           </a:p>
@@ -613,7 +613,7 @@
           <a:p>
             <a:fld id="{8725AE58-0B88-40F5-B254-4B9A81217A44}" type="datetimeFigureOut">
               <a:rPr lang="en-US" smtClean="0"/>
-              <a:t>10/20/2023</a:t>
+              <a:t>22-Aug-24</a:t>
             </a:fld>
             <a:endParaRPr lang="en-US"/>
           </a:p>
@@ -783,7 +783,7 @@
           <a:p>
             <a:fld id="{8725AE58-0B88-40F5-B254-4B9A81217A44}" type="datetimeFigureOut">
               <a:rPr lang="en-US" smtClean="0"/>
-              <a:t>10/20/2023</a:t>
+              <a:t>22-Aug-24</a:t>
             </a:fld>
             <a:endParaRPr lang="en-US"/>
           </a:p>
@@ -1029,7 +1029,7 @@
           <a:p>
             <a:fld id="{8725AE58-0B88-40F5-B254-4B9A81217A44}" type="datetimeFigureOut">
               <a:rPr lang="en-US" smtClean="0"/>
-              <a:t>10/20/2023</a:t>
+              <a:t>22-Aug-24</a:t>
             </a:fld>
             <a:endParaRPr lang="en-US"/>
           </a:p>
@@ -1261,7 +1261,7 @@
           <a:p>
             <a:fld id="{8725AE58-0B88-40F5-B254-4B9A81217A44}" type="datetimeFigureOut">
               <a:rPr lang="en-US" smtClean="0"/>
-              <a:t>10/20/2023</a:t>
+              <a:t>22-Aug-24</a:t>
             </a:fld>
             <a:endParaRPr lang="en-US"/>
           </a:p>
@@ -1628,7 +1628,7 @@
           <a:p>
             <a:fld id="{8725AE58-0B88-40F5-B254-4B9A81217A44}" type="datetimeFigureOut">
               <a:rPr lang="en-US" smtClean="0"/>
-              <a:t>10/20/2023</a:t>
+              <a:t>22-Aug-24</a:t>
             </a:fld>
             <a:endParaRPr lang="en-US"/>
           </a:p>
@@ -1746,7 +1746,7 @@
           <a:p>
             <a:fld id="{8725AE58-0B88-40F5-B254-4B9A81217A44}" type="datetimeFigureOut">
               <a:rPr lang="en-US" smtClean="0"/>
-              <a:t>10/20/2023</a:t>
+              <a:t>22-Aug-24</a:t>
             </a:fld>
             <a:endParaRPr lang="en-US"/>
           </a:p>
@@ -1841,7 +1841,7 @@
           <a:p>
             <a:fld id="{8725AE58-0B88-40F5-B254-4B9A81217A44}" type="datetimeFigureOut">
               <a:rPr lang="en-US" smtClean="0"/>
-              <a:t>10/20/2023</a:t>
+              <a:t>22-Aug-24</a:t>
             </a:fld>
             <a:endParaRPr lang="en-US"/>
           </a:p>
@@ -2118,7 +2118,7 @@
           <a:p>
             <a:fld id="{8725AE58-0B88-40F5-B254-4B9A81217A44}" type="datetimeFigureOut">
               <a:rPr lang="en-US" smtClean="0"/>
-              <a:t>10/20/2023</a:t>
+              <a:t>22-Aug-24</a:t>
             </a:fld>
             <a:endParaRPr lang="en-US"/>
           </a:p>
@@ -2371,7 +2371,7 @@
           <a:p>
             <a:fld id="{8725AE58-0B88-40F5-B254-4B9A81217A44}" type="datetimeFigureOut">
               <a:rPr lang="en-US" smtClean="0"/>
-              <a:t>10/20/2023</a:t>
+              <a:t>22-Aug-24</a:t>
             </a:fld>
             <a:endParaRPr lang="en-US"/>
           </a:p>
@@ -2584,7 +2584,7 @@
           <a:p>
             <a:fld id="{8725AE58-0B88-40F5-B254-4B9A81217A44}" type="datetimeFigureOut">
               <a:rPr lang="en-US" smtClean="0"/>
-              <a:t>10/20/2023</a:t>
+              <a:t>22-Aug-24</a:t>
             </a:fld>
             <a:endParaRPr lang="en-US"/>
           </a:p>
@@ -9937,7 +9937,14 @@
                 <a:latin typeface="Courier New" panose="02070309020205020404" pitchFamily="49" charset="0"/>
                 <a:cs typeface="Courier New" panose="02070309020205020404" pitchFamily="49" charset="0"/>
               </a:rPr>
-              <a:t>  } </a:t>
+              <a:t>  </a:t>
+            </a:r>
+            <a:r>
+              <a:rPr lang="en-US" sz="2400" dirty="0" smtClean="0">
+                <a:latin typeface="Courier New" panose="02070309020205020404" pitchFamily="49" charset="0"/>
+                <a:cs typeface="Courier New" panose="02070309020205020404" pitchFamily="49" charset="0"/>
+              </a:rPr>
+              <a:t>   … </a:t>
             </a:r>
             <a:endParaRPr lang="en-US" sz="2400" dirty="0"/>
           </a:p>
@@ -10305,7 +10312,14 @@
                 <a:latin typeface="Courier New" panose="02070309020205020404" pitchFamily="49" charset="0"/>
                 <a:cs typeface="Courier New" panose="02070309020205020404" pitchFamily="49" charset="0"/>
               </a:rPr>
-              <a:t>  } </a:t>
+              <a:t>  </a:t>
+            </a:r>
+            <a:r>
+              <a:rPr lang="en-US" sz="2400" dirty="0" smtClean="0">
+                <a:latin typeface="Courier New" panose="02070309020205020404" pitchFamily="49" charset="0"/>
+                <a:cs typeface="Courier New" panose="02070309020205020404" pitchFamily="49" charset="0"/>
+              </a:rPr>
+              <a:t>   … </a:t>
             </a:r>
             <a:endParaRPr lang="en-US" sz="2400" dirty="0"/>
           </a:p>
@@ -10477,52 +10491,60 @@
             </a:r>
             <a:r>
               <a:rPr lang="en-US" i="1" dirty="0" smtClean="0"/>
-              <a:t>continuing from the previous example, here is what we may do to find the minimum of the first 5 elements:</a:t>
-            </a:r>
-            <a:r>
-              <a:rPr lang="en-US" dirty="0" smtClean="0"/>
+              <a:t>continuing from the previous </a:t>
+            </a:r>
+            <a:r>
+              <a:rPr lang="en-US" i="1" dirty="0" smtClean="0"/>
+              <a:t>example..</a:t>
+            </a:r>
+          </a:p>
+          <a:p>
+            <a:pPr marL="0" indent="0">
+              <a:buNone/>
+            </a:pPr>
+            <a:endParaRPr lang="en-US" i="1" dirty="0">
+              <a:latin typeface="Courier New" panose="02070309020205020404" pitchFamily="49" charset="0"/>
+              <a:cs typeface="Courier New" panose="02070309020205020404" pitchFamily="49" charset="0"/>
+            </a:endParaRPr>
+          </a:p>
+          <a:p>
+            <a:pPr marL="0" indent="0">
+              <a:buNone/>
+            </a:pPr>
+            <a:r>
+              <a:rPr lang="en-US" dirty="0">
+                <a:latin typeface="Courier New" panose="02070309020205020404" pitchFamily="49" charset="0"/>
+                <a:cs typeface="Courier New" panose="02070309020205020404" pitchFamily="49" charset="0"/>
+              </a:rPr>
+              <a:t> </a:t>
+            </a:r>
+            <a:r>
+              <a:rPr lang="en-US" dirty="0" smtClean="0">
+                <a:latin typeface="Courier New" panose="02070309020205020404" pitchFamily="49" charset="0"/>
+                <a:cs typeface="Courier New" panose="02070309020205020404" pitchFamily="49" charset="0"/>
+              </a:rPr>
+              <a:t>  </a:t>
+            </a:r>
+            <a:r>
+              <a:rPr lang="en-US" dirty="0" err="1" smtClean="0">
+                <a:latin typeface="Courier New" panose="02070309020205020404" pitchFamily="49" charset="0"/>
+                <a:cs typeface="Courier New" panose="02070309020205020404" pitchFamily="49" charset="0"/>
+              </a:rPr>
+              <a:t>int</a:t>
+            </a:r>
+            <a:r>
+              <a:rPr lang="en-US" dirty="0" smtClean="0">
+                <a:latin typeface="Courier New" panose="02070309020205020404" pitchFamily="49" charset="0"/>
+                <a:cs typeface="Courier New" panose="02070309020205020404" pitchFamily="49" charset="0"/>
+              </a:rPr>
+              <a:t> max=a[0];</a:t>
+            </a:r>
+            <a:r>
+              <a:rPr lang="en-US" dirty="0" smtClean="0">
+                <a:latin typeface="Courier New" panose="02070309020205020404" pitchFamily="49" charset="0"/>
+                <a:cs typeface="Courier New" panose="02070309020205020404" pitchFamily="49" charset="0"/>
+              </a:rPr>
               <a:t/>
-            </a:r>
-            <a:br>
-              <a:rPr lang="en-US" dirty="0" smtClean="0"/>
-            </a:br>
-            <a:r>
-              <a:rPr lang="en-US" dirty="0" smtClean="0">
-                <a:latin typeface="Courier New" panose="02070309020205020404" pitchFamily="49" charset="0"/>
-                <a:cs typeface="Courier New" panose="02070309020205020404" pitchFamily="49" charset="0"/>
-              </a:rPr>
-              <a:t>   </a:t>
-            </a:r>
-            <a:r>
-              <a:rPr lang="en-US" dirty="0" err="1" smtClean="0">
-                <a:latin typeface="Courier New" panose="02070309020205020404" pitchFamily="49" charset="0"/>
-                <a:cs typeface="Courier New" panose="02070309020205020404" pitchFamily="49" charset="0"/>
-              </a:rPr>
-              <a:t>int</a:t>
-            </a:r>
-            <a:r>
-              <a:rPr lang="en-US" dirty="0" smtClean="0">
-                <a:latin typeface="Courier New" panose="02070309020205020404" pitchFamily="49" charset="0"/>
-                <a:cs typeface="Courier New" panose="02070309020205020404" pitchFamily="49" charset="0"/>
-              </a:rPr>
-              <a:t> max=</a:t>
-            </a:r>
-            <a:r>
-              <a:rPr lang="en-US" b="1" dirty="0" smtClean="0">
-                <a:solidFill>
-                  <a:schemeClr val="accent2"/>
-                </a:solidFill>
-                <a:latin typeface="Courier New" panose="02070309020205020404" pitchFamily="49" charset="0"/>
-                <a:cs typeface="Courier New" panose="02070309020205020404" pitchFamily="49" charset="0"/>
-              </a:rPr>
-              <a:t>a[0]</a:t>
-            </a:r>
-            <a:r>
-              <a:rPr lang="en-US" dirty="0" smtClean="0">
-                <a:latin typeface="Courier New" panose="02070309020205020404" pitchFamily="49" charset="0"/>
-                <a:cs typeface="Courier New" panose="02070309020205020404" pitchFamily="49" charset="0"/>
-              </a:rPr>
-              <a:t>;</a:t>
             </a:r>
             <a:br>
               <a:rPr lang="en-US" dirty="0" smtClean="0">
@@ -10549,7 +10571,14 @@
                 <a:latin typeface="Courier New" panose="02070309020205020404" pitchFamily="49" charset="0"/>
                 <a:cs typeface="Courier New" panose="02070309020205020404" pitchFamily="49" charset="0"/>
               </a:rPr>
-              <a:t>=1;</a:t>
+              <a:t>=1</a:t>
+            </a:r>
+            <a:r>
+              <a:rPr lang="en-US" dirty="0" smtClean="0">
+                <a:latin typeface="Courier New" panose="02070309020205020404" pitchFamily="49" charset="0"/>
+                <a:cs typeface="Courier New" panose="02070309020205020404" pitchFamily="49" charset="0"/>
+              </a:rPr>
+              <a:t>;</a:t>
             </a:r>
           </a:p>
           <a:p>
@@ -10967,7 +10996,19 @@
             </a:pPr>
             <a:r>
               <a:rPr lang="en-US" i="1" dirty="0" smtClean="0"/>
-              <a:t>// Something similar, but a bit different:</a:t>
+              <a:t>// </a:t>
+            </a:r>
+            <a:r>
+              <a:rPr lang="en-US" i="1" dirty="0" smtClean="0"/>
+              <a:t>Same thing, done </a:t>
+            </a:r>
+            <a:r>
+              <a:rPr lang="en-US" i="1" dirty="0" smtClean="0"/>
+              <a:t>a bit </a:t>
+            </a:r>
+            <a:r>
+              <a:rPr lang="en-US" i="1" dirty="0" smtClean="0"/>
+              <a:t>differently:</a:t>
             </a:r>
             <a:r>
               <a:rPr lang="en-US" dirty="0"/>
@@ -11454,32 +11495,34 @@
                 <a:latin typeface="Courier New" panose="02070309020205020404" pitchFamily="49" charset="0"/>
                 <a:cs typeface="Courier New" panose="02070309020205020404" pitchFamily="49" charset="0"/>
               </a:rPr>
-              <a:t>a[6],a[7],a[8],a[9</a:t>
+              <a:t>a[6],a[7],a[8],a[9]</a:t>
+            </a:r>
+          </a:p>
+          <a:p>
+            <a:r>
+              <a:rPr lang="en-US" b="1" dirty="0" smtClean="0">
+                <a:cs typeface="Courier New" panose="02070309020205020404" pitchFamily="49" charset="0"/>
+              </a:rPr>
+              <a:t>No way</a:t>
             </a:r>
             <a:r>
               <a:rPr lang="en-US" dirty="0" smtClean="0">
-                <a:latin typeface="Courier New" panose="02070309020205020404" pitchFamily="49" charset="0"/>
-                <a:cs typeface="Courier New" panose="02070309020205020404" pitchFamily="49" charset="0"/>
-              </a:rPr>
-              <a:t>]</a:t>
-            </a:r>
-          </a:p>
-          <a:p>
-            <a:r>
-              <a:rPr lang="en-US" b="1" dirty="0" smtClean="0">
-                <a:cs typeface="Courier New" panose="02070309020205020404" pitchFamily="49" charset="0"/>
-              </a:rPr>
-              <a:t>No way</a:t>
+                <a:cs typeface="Courier New" panose="02070309020205020404" pitchFamily="49" charset="0"/>
+              </a:rPr>
+              <a:t> to look into an array and say </a:t>
             </a:r>
             <a:r>
               <a:rPr lang="en-US" dirty="0" smtClean="0">
                 <a:cs typeface="Courier New" panose="02070309020205020404" pitchFamily="49" charset="0"/>
               </a:rPr>
-              <a:t> to look into an array and say hominy positions are initialized. This is just like any other variable, no way to say if it is uninitialized.</a:t>
-            </a:r>
-            <a:endParaRPr lang="en-US" dirty="0" smtClean="0">
-              <a:cs typeface="Courier New" panose="02070309020205020404" pitchFamily="49" charset="0"/>
-            </a:endParaRPr>
+              <a:t>how many </a:t>
+            </a:r>
+            <a:r>
+              <a:rPr lang="en-US" dirty="0" smtClean="0">
+                <a:cs typeface="Courier New" panose="02070309020205020404" pitchFamily="49" charset="0"/>
+              </a:rPr>
+              <a:t>positions are initialized. This is just like any other variable, no way to say if it is uninitialized.</a:t>
+            </a:r>
           </a:p>
           <a:p>
             <a:r>
@@ -11623,14 +11666,7 @@
                 <a:latin typeface="Courier New" panose="02070309020205020404" pitchFamily="49" charset="0"/>
                 <a:cs typeface="Courier New" panose="02070309020205020404" pitchFamily="49" charset="0"/>
               </a:rPr>
-              <a:t> a[2][3]={{1,10,100},{2,20,200</a:t>
-            </a:r>
-            <a:r>
-              <a:rPr lang="en-US" sz="2400" dirty="0" smtClean="0">
-                <a:latin typeface="Courier New" panose="02070309020205020404" pitchFamily="49" charset="0"/>
-                <a:cs typeface="Courier New" panose="02070309020205020404" pitchFamily="49" charset="0"/>
-              </a:rPr>
-              <a:t>}}; </a:t>
+              <a:t> a[2][3]={{1,10,100},{2,20,200}}; </a:t>
             </a:r>
             <a:r>
               <a:rPr lang="en-US" sz="2400" i="1" dirty="0" smtClean="0">
